--- a/doc/D2/D2_presentation.pptx
+++ b/doc/D2/D2_presentation.pptx
@@ -7,15 +7,21 @@
   <p:sldIdLst>
     <p:sldId id="256" r:id="rId2"/>
     <p:sldId id="257" r:id="rId3"/>
-    <p:sldId id="258" r:id="rId4"/>
-    <p:sldId id="259" r:id="rId5"/>
-    <p:sldId id="260" r:id="rId6"/>
-    <p:sldId id="261" r:id="rId7"/>
-    <p:sldId id="262" r:id="rId8"/>
-    <p:sldId id="263" r:id="rId9"/>
-    <p:sldId id="264" r:id="rId10"/>
-    <p:sldId id="265" r:id="rId11"/>
-    <p:sldId id="266" r:id="rId12"/>
+    <p:sldId id="267" r:id="rId4"/>
+    <p:sldId id="258" r:id="rId5"/>
+    <p:sldId id="268" r:id="rId6"/>
+    <p:sldId id="269" r:id="rId7"/>
+    <p:sldId id="259" r:id="rId8"/>
+    <p:sldId id="270" r:id="rId9"/>
+    <p:sldId id="260" r:id="rId10"/>
+    <p:sldId id="271" r:id="rId11"/>
+    <p:sldId id="261" r:id="rId12"/>
+    <p:sldId id="262" r:id="rId13"/>
+    <p:sldId id="263" r:id="rId14"/>
+    <p:sldId id="264" r:id="rId15"/>
+    <p:sldId id="265" r:id="rId16"/>
+    <p:sldId id="266" r:id="rId17"/>
+    <p:sldId id="272" r:id="rId18"/>
   </p:sldIdLst>
   <p:sldSz cx="9144000" cy="6858000" type="screen4x3"/>
   <p:notesSz cx="6858000" cy="9144000"/>
@@ -189,7 +195,7 @@
             <a:fld id="{1C295150-4FD7-4802-B0EB-D52217513A72}" type="datetime1">
               <a:rPr lang="en-US" smtClean="0"/>
               <a:pPr/>
-              <a:t>18/4/24</a:t>
+              <a:t>18/4/25</a:t>
             </a:fld>
             <a:endParaRPr lang="en-US" dirty="0"/>
           </a:p>
@@ -716,7 +722,7 @@
             <a:fld id="{0461895A-832A-4167-BE9B-7448CA062309}" type="datetime1">
               <a:rPr lang="en-US" smtClean="0"/>
               <a:pPr/>
-              <a:t>18/4/24</a:t>
+              <a:t>18/4/25</a:t>
             </a:fld>
             <a:endParaRPr lang="en-US"/>
           </a:p>
@@ -1032,7 +1038,7 @@
             <a:fld id="{227571FF-D602-4BB6-9683-7A1E909D4296}" type="datetime1">
               <a:rPr lang="en-US" smtClean="0"/>
               <a:pPr/>
-              <a:t>18/4/24</a:t>
+              <a:t>18/4/25</a:t>
             </a:fld>
             <a:endParaRPr lang="en-US"/>
           </a:p>
@@ -1320,7 +1326,7 @@
             <a:fld id="{FC392BEB-5202-498C-89F7-BBD3BEE1B887}" type="datetime1">
               <a:rPr lang="en-US" smtClean="0"/>
               <a:pPr/>
-              <a:t>18/4/24</a:t>
+              <a:t>18/4/25</a:t>
             </a:fld>
             <a:endParaRPr lang="en-US"/>
           </a:p>
@@ -1897,7 +1903,7 @@
             <a:fld id="{D242B6C6-10FF-4510-A888-F0B9C6A788B0}" type="datetime1">
               <a:rPr lang="en-US" smtClean="0"/>
               <a:pPr/>
-              <a:t>18/4/24</a:t>
+              <a:t>18/4/25</a:t>
             </a:fld>
             <a:endParaRPr lang="en-US"/>
           </a:p>
@@ -1989,7 +1995,7 @@
             <a:fld id="{C2847B31-A4E1-4FCE-8661-5EC33A675437}" type="datetime1">
               <a:rPr lang="en-US" smtClean="0"/>
               <a:pPr/>
-              <a:t>18/4/24</a:t>
+              <a:t>18/4/25</a:t>
             </a:fld>
             <a:endParaRPr lang="en-US"/>
           </a:p>
@@ -2700,7 +2706,7 @@
             <a:fld id="{7CAD832D-B7F8-4A85-B115-3F84BE9AC26D}" type="datetime1">
               <a:rPr lang="en-US" smtClean="0"/>
               <a:pPr/>
-              <a:t>18/4/24</a:t>
+              <a:t>18/4/25</a:t>
             </a:fld>
             <a:endParaRPr lang="en-US"/>
           </a:p>
@@ -2954,7 +2960,7 @@
             <a:fld id="{E10B34F3-05F7-41C1-B84E-68CE2E00C83C}" type="datetime1">
               <a:rPr lang="en-US" smtClean="0"/>
               <a:pPr/>
-              <a:t>18/4/24</a:t>
+              <a:t>18/4/25</a:t>
             </a:fld>
             <a:endParaRPr lang="en-US"/>
           </a:p>
@@ -3185,7 +3191,7 @@
             <a:fld id="{B8D47F82-2B2E-4837-B3AB-C94C672FBECB}" type="datetime1">
               <a:rPr lang="en-US" smtClean="0"/>
               <a:pPr/>
-              <a:t>18/4/24</a:t>
+              <a:t>18/4/25</a:t>
             </a:fld>
             <a:endParaRPr lang="en-US"/>
           </a:p>
@@ -3461,7 +3467,7 @@
             <a:fld id="{81E57738-F4B0-48EA-9B71-E0F723F8BF6C}" type="datetime1">
               <a:rPr lang="en-US" smtClean="0"/>
               <a:pPr/>
-              <a:t>18/4/24</a:t>
+              <a:t>18/4/25</a:t>
             </a:fld>
             <a:endParaRPr lang="en-US"/>
           </a:p>
@@ -3749,7 +3755,7 @@
             <a:fld id="{E600D5EF-7D26-425F-8C45-B9312ACE18BC}" type="datetime1">
               <a:rPr lang="en-US" smtClean="0"/>
               <a:pPr/>
-              <a:t>18/4/24</a:t>
+              <a:t>18/4/25</a:t>
             </a:fld>
             <a:endParaRPr lang="en-US"/>
           </a:p>
@@ -4019,7 +4025,7 @@
             <a:fld id="{F1909345-DEE0-4B07-8E32-441AC9DA095E}" type="datetime1">
               <a:rPr lang="en-US" smtClean="0"/>
               <a:pPr/>
-              <a:t>18/4/24</a:t>
+              <a:t>18/4/25</a:t>
             </a:fld>
             <a:endParaRPr lang="en-US" dirty="0"/>
           </a:p>
@@ -4584,78 +4590,56 @@
       </p:grpSpPr>
       <p:sp>
         <p:nvSpPr>
-          <p:cNvPr id="2" name="内容占位符 1"/>
-          <p:cNvSpPr>
-            <a:spLocks noGrp="1"/>
-          </p:cNvSpPr>
+          <p:cNvPr id="3" name="标题 2"/>
+          <p:cNvSpPr>
+            <a:spLocks noGrp="1"/>
+          </p:cNvSpPr>
+          <p:nvPr>
+            <p:ph type="title"/>
+          </p:nvPr>
+        </p:nvSpPr>
+        <p:spPr/>
+        <p:txBody>
+          <a:bodyPr/>
+          <a:lstStyle/>
+          <a:p>
+            <a:r>
+              <a:rPr kumimoji="1" lang="en-US" altLang="zh-CN" dirty="0" smtClean="0"/>
+              <a:t>Sentence Score</a:t>
+            </a:r>
+            <a:endParaRPr kumimoji="1" lang="zh-CN" altLang="en-US" dirty="0"/>
+          </a:p>
+        </p:txBody>
+      </p:sp>
+      <p:pic>
+        <p:nvPicPr>
+          <p:cNvPr id="5" name="内容占位符 4" descr="Screen Shot 2018-04-26 at 12.27.58 AM.png"/>
+          <p:cNvPicPr>
+            <a:picLocks noGrp="1" noChangeAspect="1"/>
+          </p:cNvPicPr>
           <p:nvPr>
             <p:ph idx="1"/>
           </p:nvPr>
-        </p:nvSpPr>
+        </p:nvPicPr>
+        <p:blipFill>
+          <a:blip r:embed="rId2">
+            <a:extLst>
+              <a:ext uri="{28A0092B-C50C-407E-A947-70E740481C1C}">
+                <a14:useLocalDpi xmlns:a14="http://schemas.microsoft.com/office/drawing/2010/main" val="0"/>
+              </a:ext>
+            </a:extLst>
+          </a:blip>
+          <a:srcRect t="-112489" b="-112489"/>
+          <a:stretch>
+            <a:fillRect/>
+          </a:stretch>
+        </p:blipFill>
         <p:spPr/>
-        <p:txBody>
-          <a:bodyPr/>
-          <a:lstStyle/>
-          <a:p>
-            <a:r>
-              <a:rPr kumimoji="1" lang="en-US" altLang="zh-CN" dirty="0" smtClean="0"/>
-              <a:t>ROUGE score result</a:t>
-            </a:r>
-          </a:p>
-          <a:p>
-            <a:endParaRPr kumimoji="1" lang="en-US" altLang="zh-CN" dirty="0"/>
-          </a:p>
-          <a:p>
-            <a:r>
-              <a:rPr kumimoji="1" lang="en-US" altLang="zh-CN" dirty="0" smtClean="0"/>
-              <a:t>Score formula</a:t>
-            </a:r>
-          </a:p>
-          <a:p>
-            <a:endParaRPr kumimoji="1" lang="en-US" altLang="zh-CN" dirty="0"/>
-          </a:p>
-          <a:p>
-            <a:r>
-              <a:rPr kumimoji="1" lang="en-US" altLang="zh-CN" dirty="0" smtClean="0"/>
-              <a:t>Content realization</a:t>
-            </a:r>
-          </a:p>
-          <a:p>
-            <a:endParaRPr kumimoji="1" lang="zh-CN" altLang="en-US" dirty="0"/>
-          </a:p>
-        </p:txBody>
-      </p:sp>
-      <p:sp>
-        <p:nvSpPr>
-          <p:cNvPr id="3" name="标题 2"/>
-          <p:cNvSpPr>
-            <a:spLocks noGrp="1"/>
-          </p:cNvSpPr>
-          <p:nvPr>
-            <p:ph type="title"/>
-          </p:nvPr>
-        </p:nvSpPr>
-        <p:spPr/>
-        <p:txBody>
-          <a:bodyPr/>
-          <a:lstStyle/>
-          <a:p>
-            <a:r>
-              <a:rPr kumimoji="1" lang="en-US" altLang="zh-CN" dirty="0" smtClean="0"/>
-              <a:t>Issues and </a:t>
-            </a:r>
-            <a:r>
-              <a:rPr kumimoji="1" lang="en-US" altLang="zh-CN" dirty="0" err="1" smtClean="0"/>
-              <a:t>Seccesses</a:t>
-            </a:r>
-            <a:endParaRPr kumimoji="1" lang="zh-CN" altLang="en-US" dirty="0"/>
-          </a:p>
-        </p:txBody>
-      </p:sp>
+      </p:pic>
     </p:spTree>
     <p:extLst>
       <p:ext uri="{BB962C8B-B14F-4D97-AF65-F5344CB8AC3E}">
-        <p14:creationId xmlns:p14="http://schemas.microsoft.com/office/powerpoint/2010/main" val="1417477386"/>
+        <p14:creationId xmlns:p14="http://schemas.microsoft.com/office/powerpoint/2010/main" val="2539014472"/>
       </p:ext>
     </p:extLst>
   </p:cSld>
@@ -4705,692 +4689,6 @@
           <a:lstStyle/>
           <a:p>
             <a:r>
-              <a:rPr kumimoji="1" lang="en-US" altLang="zh-CN" dirty="0" smtClean="0"/>
-              <a:t>P. </a:t>
-            </a:r>
-            <a:r>
-              <a:rPr kumimoji="1" lang="en-US" altLang="zh-CN" dirty="0" err="1" smtClean="0"/>
-              <a:t>Sarraf</a:t>
-            </a:r>
-            <a:r>
-              <a:rPr kumimoji="1" lang="en-US" altLang="zh-CN" dirty="0" smtClean="0"/>
-              <a:t>, Y. K. </a:t>
-            </a:r>
-            <a:r>
-              <a:rPr kumimoji="1" lang="en-US" altLang="zh-CN" dirty="0" err="1" smtClean="0"/>
-              <a:t>Meena</a:t>
-            </a:r>
-            <a:r>
-              <a:rPr kumimoji="1" lang="en-US" altLang="zh-CN" dirty="0" smtClean="0"/>
-              <a:t>, Summarization of Document using Java ,Vol. 3, Issue 2, February </a:t>
-            </a:r>
-            <a:r>
-              <a:rPr kumimoji="1" lang="mr-IN" altLang="zh-CN" dirty="0" smtClean="0"/>
-              <a:t>–</a:t>
-            </a:r>
-            <a:r>
-              <a:rPr kumimoji="1" lang="en-US" altLang="zh-CN" dirty="0" smtClean="0"/>
-              <a:t> 2014 International Journal of Engineering Research &amp; Technology(IJERT)</a:t>
-            </a:r>
-            <a:endParaRPr kumimoji="1" lang="zh-CN" altLang="en-US" dirty="0"/>
-          </a:p>
-        </p:txBody>
-      </p:sp>
-      <p:sp>
-        <p:nvSpPr>
-          <p:cNvPr id="3" name="标题 2"/>
-          <p:cNvSpPr>
-            <a:spLocks noGrp="1"/>
-          </p:cNvSpPr>
-          <p:nvPr>
-            <p:ph type="title"/>
-          </p:nvPr>
-        </p:nvSpPr>
-        <p:spPr/>
-        <p:txBody>
-          <a:bodyPr/>
-          <a:lstStyle/>
-          <a:p>
-            <a:r>
-              <a:rPr kumimoji="1" lang="en-US" altLang="zh-CN" dirty="0" smtClean="0"/>
-              <a:t>Related reading</a:t>
-            </a:r>
-            <a:endParaRPr kumimoji="1" lang="zh-CN" altLang="en-US" dirty="0"/>
-          </a:p>
-        </p:txBody>
-      </p:sp>
-    </p:spTree>
-    <p:extLst>
-      <p:ext uri="{BB962C8B-B14F-4D97-AF65-F5344CB8AC3E}">
-        <p14:creationId xmlns:p14="http://schemas.microsoft.com/office/powerpoint/2010/main" val="2357070740"/>
-      </p:ext>
-    </p:extLst>
-  </p:cSld>
-  <p:clrMapOvr>
-    <a:masterClrMapping/>
-  </p:clrMapOvr>
-  <p:timing>
-    <p:tnLst>
-      <p:par>
-        <p:cTn xmlns:p14="http://schemas.microsoft.com/office/powerpoint/2010/main" id="1" dur="indefinite" restart="never" nodeType="tmRoot"/>
-      </p:par>
-    </p:tnLst>
-  </p:timing>
-</p:sld>
-</file>
-
-<file path=ppt/slides/slide2.xml><?xml version="1.0" encoding="utf-8"?>
-<p:sld xmlns:a="http://schemas.openxmlformats.org/drawingml/2006/main" xmlns:r="http://schemas.openxmlformats.org/officeDocument/2006/relationships" xmlns:p="http://schemas.openxmlformats.org/presentationml/2006/main">
-  <p:cSld>
-    <p:spTree>
-      <p:nvGrpSpPr>
-        <p:cNvPr id="1" name=""/>
-        <p:cNvGrpSpPr/>
-        <p:nvPr/>
-      </p:nvGrpSpPr>
-      <p:grpSpPr>
-        <a:xfrm>
-          <a:off x="0" y="0"/>
-          <a:ext cx="0" cy="0"/>
-          <a:chOff x="0" y="0"/>
-          <a:chExt cx="0" cy="0"/>
-        </a:xfrm>
-      </p:grpSpPr>
-      <p:sp>
-        <p:nvSpPr>
-          <p:cNvPr id="2" name="内容占位符 1"/>
-          <p:cNvSpPr>
-            <a:spLocks noGrp="1"/>
-          </p:cNvSpPr>
-          <p:nvPr>
-            <p:ph idx="1"/>
-          </p:nvPr>
-        </p:nvSpPr>
-        <p:spPr/>
-        <p:txBody>
-          <a:bodyPr>
-            <a:normAutofit fontScale="92500" lnSpcReduction="20000"/>
-          </a:bodyPr>
-          <a:lstStyle/>
-          <a:p>
-            <a:r>
-              <a:rPr kumimoji="1" lang="en-US" altLang="zh-CN" dirty="0" smtClean="0"/>
-              <a:t>Preprocessing</a:t>
-            </a:r>
-          </a:p>
-          <a:p>
-            <a:endParaRPr kumimoji="1" lang="en-US" altLang="zh-CN" dirty="0" smtClean="0"/>
-          </a:p>
-          <a:p>
-            <a:r>
-              <a:rPr kumimoji="1" lang="en-US" altLang="zh-CN" dirty="0" smtClean="0"/>
-              <a:t>Feature Extraction</a:t>
-            </a:r>
-          </a:p>
-          <a:p>
-            <a:endParaRPr kumimoji="1" lang="en-US" altLang="zh-CN" dirty="0" smtClean="0"/>
-          </a:p>
-          <a:p>
-            <a:r>
-              <a:rPr kumimoji="1" lang="en-US" altLang="zh-CN" dirty="0" smtClean="0"/>
-              <a:t>Sentence Scoring</a:t>
-            </a:r>
-          </a:p>
-          <a:p>
-            <a:endParaRPr kumimoji="1" lang="en-US" altLang="zh-CN" dirty="0" smtClean="0"/>
-          </a:p>
-          <a:p>
-            <a:r>
-              <a:rPr kumimoji="1" lang="en-US" altLang="zh-CN" dirty="0" smtClean="0"/>
-              <a:t>Sentence Selection</a:t>
-            </a:r>
-          </a:p>
-          <a:p>
-            <a:endParaRPr kumimoji="1" lang="en-US" altLang="zh-CN" dirty="0"/>
-          </a:p>
-          <a:p>
-            <a:r>
-              <a:rPr kumimoji="1" lang="en-US" altLang="zh-CN" dirty="0" smtClean="0"/>
-              <a:t>Information Ordering (partially)</a:t>
-            </a:r>
-          </a:p>
-          <a:p>
-            <a:endParaRPr kumimoji="1" lang="en-US" altLang="zh-CN" dirty="0"/>
-          </a:p>
-          <a:p>
-            <a:r>
-              <a:rPr kumimoji="1" lang="en-US" altLang="zh-CN" dirty="0" smtClean="0"/>
-              <a:t>Content Realization (not yet)</a:t>
-            </a:r>
-            <a:endParaRPr kumimoji="1" lang="zh-CN" altLang="en-US" dirty="0"/>
-          </a:p>
-        </p:txBody>
-      </p:sp>
-      <p:sp>
-        <p:nvSpPr>
-          <p:cNvPr id="3" name="标题 2"/>
-          <p:cNvSpPr>
-            <a:spLocks noGrp="1"/>
-          </p:cNvSpPr>
-          <p:nvPr>
-            <p:ph type="title"/>
-          </p:nvPr>
-        </p:nvSpPr>
-        <p:spPr/>
-        <p:txBody>
-          <a:bodyPr/>
-          <a:lstStyle/>
-          <a:p>
-            <a:r>
-              <a:rPr kumimoji="1" lang="en-US" altLang="zh-CN" dirty="0" smtClean="0"/>
-              <a:t>System architecture</a:t>
-            </a:r>
-            <a:endParaRPr kumimoji="1" lang="zh-CN" altLang="en-US" dirty="0"/>
-          </a:p>
-        </p:txBody>
-      </p:sp>
-    </p:spTree>
-    <p:extLst>
-      <p:ext uri="{BB962C8B-B14F-4D97-AF65-F5344CB8AC3E}">
-        <p14:creationId xmlns:p14="http://schemas.microsoft.com/office/powerpoint/2010/main" val="3303707414"/>
-      </p:ext>
-    </p:extLst>
-  </p:cSld>
-  <p:clrMapOvr>
-    <a:masterClrMapping/>
-  </p:clrMapOvr>
-  <p:timing>
-    <p:tnLst>
-      <p:par>
-        <p:cTn xmlns:p14="http://schemas.microsoft.com/office/powerpoint/2010/main" id="1" dur="indefinite" restart="never" nodeType="tmRoot"/>
-      </p:par>
-    </p:tnLst>
-  </p:timing>
-</p:sld>
-</file>
-
-<file path=ppt/slides/slide3.xml><?xml version="1.0" encoding="utf-8"?>
-<p:sld xmlns:a="http://schemas.openxmlformats.org/drawingml/2006/main" xmlns:r="http://schemas.openxmlformats.org/officeDocument/2006/relationships" xmlns:p="http://schemas.openxmlformats.org/presentationml/2006/main">
-  <p:cSld>
-    <p:spTree>
-      <p:nvGrpSpPr>
-        <p:cNvPr id="1" name=""/>
-        <p:cNvGrpSpPr/>
-        <p:nvPr/>
-      </p:nvGrpSpPr>
-      <p:grpSpPr>
-        <a:xfrm>
-          <a:off x="0" y="0"/>
-          <a:ext cx="0" cy="0"/>
-          <a:chOff x="0" y="0"/>
-          <a:chExt cx="0" cy="0"/>
-        </a:xfrm>
-      </p:grpSpPr>
-      <p:sp>
-        <p:nvSpPr>
-          <p:cNvPr id="2" name="内容占位符 1"/>
-          <p:cNvSpPr>
-            <a:spLocks noGrp="1"/>
-          </p:cNvSpPr>
-          <p:nvPr>
-            <p:ph idx="1"/>
-          </p:nvPr>
-        </p:nvSpPr>
-        <p:spPr/>
-        <p:txBody>
-          <a:bodyPr>
-            <a:normAutofit lnSpcReduction="10000"/>
-          </a:bodyPr>
-          <a:lstStyle/>
-          <a:p>
-            <a:r>
-              <a:rPr kumimoji="1" lang="en-US" altLang="zh-CN" dirty="0" smtClean="0"/>
-              <a:t>Sentence tokenization</a:t>
-            </a:r>
-          </a:p>
-          <a:p>
-            <a:endParaRPr kumimoji="1" lang="en-US" altLang="zh-CN" dirty="0" smtClean="0"/>
-          </a:p>
-          <a:p>
-            <a:r>
-              <a:rPr kumimoji="1" lang="en-US" altLang="zh-CN" dirty="0" smtClean="0"/>
-              <a:t>Word tokenization</a:t>
-            </a:r>
-          </a:p>
-          <a:p>
-            <a:endParaRPr kumimoji="1" lang="en-US" altLang="zh-CN" dirty="0" smtClean="0"/>
-          </a:p>
-          <a:p>
-            <a:r>
-              <a:rPr kumimoji="1" lang="en-US" altLang="zh-CN" dirty="0" smtClean="0"/>
-              <a:t>Stop word removal</a:t>
-            </a:r>
-          </a:p>
-          <a:p>
-            <a:endParaRPr kumimoji="1" lang="en-US" altLang="zh-CN" dirty="0" smtClean="0"/>
-          </a:p>
-          <a:p>
-            <a:r>
-              <a:rPr kumimoji="1" lang="en-US" altLang="zh-CN" dirty="0" smtClean="0"/>
-              <a:t>Ignore word selection</a:t>
-            </a:r>
-          </a:p>
-          <a:p>
-            <a:endParaRPr kumimoji="1" lang="en-US" altLang="zh-CN" dirty="0" smtClean="0"/>
-          </a:p>
-          <a:p>
-            <a:r>
-              <a:rPr kumimoji="1" lang="en-US" altLang="zh-CN" dirty="0" smtClean="0"/>
-              <a:t>Stemming</a:t>
-            </a:r>
-          </a:p>
-          <a:p>
-            <a:endParaRPr kumimoji="1" lang="zh-CN" altLang="en-US" dirty="0"/>
-          </a:p>
-        </p:txBody>
-      </p:sp>
-      <p:sp>
-        <p:nvSpPr>
-          <p:cNvPr id="3" name="标题 2"/>
-          <p:cNvSpPr>
-            <a:spLocks noGrp="1"/>
-          </p:cNvSpPr>
-          <p:nvPr>
-            <p:ph type="title"/>
-          </p:nvPr>
-        </p:nvSpPr>
-        <p:spPr/>
-        <p:txBody>
-          <a:bodyPr/>
-          <a:lstStyle/>
-          <a:p>
-            <a:r>
-              <a:rPr kumimoji="1" lang="en-US" altLang="zh-CN" dirty="0" smtClean="0"/>
-              <a:t>Preprocessing</a:t>
-            </a:r>
-            <a:endParaRPr kumimoji="1" lang="zh-CN" altLang="en-US" dirty="0"/>
-          </a:p>
-        </p:txBody>
-      </p:sp>
-    </p:spTree>
-    <p:extLst>
-      <p:ext uri="{BB962C8B-B14F-4D97-AF65-F5344CB8AC3E}">
-        <p14:creationId xmlns:p14="http://schemas.microsoft.com/office/powerpoint/2010/main" val="1634841051"/>
-      </p:ext>
-    </p:extLst>
-  </p:cSld>
-  <p:clrMapOvr>
-    <a:masterClrMapping/>
-  </p:clrMapOvr>
-  <p:timing>
-    <p:tnLst>
-      <p:par>
-        <p:cTn xmlns:p14="http://schemas.microsoft.com/office/powerpoint/2010/main" id="1" dur="indefinite" restart="never" nodeType="tmRoot"/>
-      </p:par>
-    </p:tnLst>
-  </p:timing>
-</p:sld>
-</file>
-
-<file path=ppt/slides/slide4.xml><?xml version="1.0" encoding="utf-8"?>
-<p:sld xmlns:a="http://schemas.openxmlformats.org/drawingml/2006/main" xmlns:r="http://schemas.openxmlformats.org/officeDocument/2006/relationships" xmlns:p="http://schemas.openxmlformats.org/presentationml/2006/main">
-  <p:cSld>
-    <p:spTree>
-      <p:nvGrpSpPr>
-        <p:cNvPr id="1" name=""/>
-        <p:cNvGrpSpPr/>
-        <p:nvPr/>
-      </p:nvGrpSpPr>
-      <p:grpSpPr>
-        <a:xfrm>
-          <a:off x="0" y="0"/>
-          <a:ext cx="0" cy="0"/>
-          <a:chOff x="0" y="0"/>
-          <a:chExt cx="0" cy="0"/>
-        </a:xfrm>
-      </p:grpSpPr>
-      <p:sp>
-        <p:nvSpPr>
-          <p:cNvPr id="2" name="内容占位符 1"/>
-          <p:cNvSpPr>
-            <a:spLocks noGrp="1"/>
-          </p:cNvSpPr>
-          <p:nvPr>
-            <p:ph idx="1"/>
-          </p:nvPr>
-        </p:nvSpPr>
-        <p:spPr/>
-        <p:txBody>
-          <a:bodyPr/>
-          <a:lstStyle/>
-          <a:p>
-            <a:r>
-              <a:rPr kumimoji="1" lang="en-US" altLang="zh-CN" dirty="0" smtClean="0"/>
-              <a:t>Frequency</a:t>
-            </a:r>
-          </a:p>
-          <a:p>
-            <a:endParaRPr kumimoji="1" lang="en-US" altLang="zh-CN" dirty="0"/>
-          </a:p>
-          <a:p>
-            <a:r>
-              <a:rPr kumimoji="1" lang="en-US" altLang="zh-CN" dirty="0" smtClean="0"/>
-              <a:t>Sentence position</a:t>
-            </a:r>
-          </a:p>
-          <a:p>
-            <a:endParaRPr kumimoji="1" lang="en-US" altLang="zh-CN" dirty="0"/>
-          </a:p>
-          <a:p>
-            <a:r>
-              <a:rPr kumimoji="1" lang="en-US" altLang="zh-CN" dirty="0" smtClean="0"/>
-              <a:t>Cue words</a:t>
-            </a:r>
-          </a:p>
-          <a:p>
-            <a:endParaRPr kumimoji="1" lang="en-US" altLang="zh-CN" dirty="0"/>
-          </a:p>
-          <a:p>
-            <a:r>
-              <a:rPr kumimoji="1" lang="en-US" altLang="zh-CN" dirty="0" smtClean="0"/>
-              <a:t>Similarity with the title</a:t>
-            </a:r>
-            <a:endParaRPr kumimoji="1" lang="zh-CN" altLang="en-US" dirty="0"/>
-          </a:p>
-        </p:txBody>
-      </p:sp>
-      <p:sp>
-        <p:nvSpPr>
-          <p:cNvPr id="3" name="标题 2"/>
-          <p:cNvSpPr>
-            <a:spLocks noGrp="1"/>
-          </p:cNvSpPr>
-          <p:nvPr>
-            <p:ph type="title"/>
-          </p:nvPr>
-        </p:nvSpPr>
-        <p:spPr/>
-        <p:txBody>
-          <a:bodyPr/>
-          <a:lstStyle/>
-          <a:p>
-            <a:r>
-              <a:rPr kumimoji="1" lang="en-US" altLang="zh-CN" dirty="0" smtClean="0"/>
-              <a:t>Features</a:t>
-            </a:r>
-            <a:endParaRPr kumimoji="1" lang="zh-CN" altLang="en-US" dirty="0"/>
-          </a:p>
-        </p:txBody>
-      </p:sp>
-    </p:spTree>
-    <p:extLst>
-      <p:ext uri="{BB962C8B-B14F-4D97-AF65-F5344CB8AC3E}">
-        <p14:creationId xmlns:p14="http://schemas.microsoft.com/office/powerpoint/2010/main" val="2045028837"/>
-      </p:ext>
-    </p:extLst>
-  </p:cSld>
-  <p:clrMapOvr>
-    <a:masterClrMapping/>
-  </p:clrMapOvr>
-  <p:timing>
-    <p:tnLst>
-      <p:par>
-        <p:cTn xmlns:p14="http://schemas.microsoft.com/office/powerpoint/2010/main" id="1" dur="indefinite" restart="never" nodeType="tmRoot"/>
-      </p:par>
-    </p:tnLst>
-  </p:timing>
-</p:sld>
-</file>
-
-<file path=ppt/slides/slide5.xml><?xml version="1.0" encoding="utf-8"?>
-<p:sld xmlns:a="http://schemas.openxmlformats.org/drawingml/2006/main" xmlns:r="http://schemas.openxmlformats.org/officeDocument/2006/relationships" xmlns:p="http://schemas.openxmlformats.org/presentationml/2006/main">
-  <p:cSld>
-    <p:spTree>
-      <p:nvGrpSpPr>
-        <p:cNvPr id="1" name=""/>
-        <p:cNvGrpSpPr/>
-        <p:nvPr/>
-      </p:nvGrpSpPr>
-      <p:grpSpPr>
-        <a:xfrm>
-          <a:off x="0" y="0"/>
-          <a:ext cx="0" cy="0"/>
-          <a:chOff x="0" y="0"/>
-          <a:chExt cx="0" cy="0"/>
-        </a:xfrm>
-      </p:grpSpPr>
-      <p:sp>
-        <p:nvSpPr>
-          <p:cNvPr id="2" name="内容占位符 1"/>
-          <p:cNvSpPr>
-            <a:spLocks noGrp="1"/>
-          </p:cNvSpPr>
-          <p:nvPr>
-            <p:ph idx="1"/>
-          </p:nvPr>
-        </p:nvSpPr>
-        <p:spPr/>
-        <p:txBody>
-          <a:bodyPr>
-            <a:normAutofit fontScale="92500" lnSpcReduction="10000"/>
-          </a:bodyPr>
-          <a:lstStyle/>
-          <a:p>
-            <a:r>
-              <a:rPr kumimoji="1" lang="en-US" altLang="zh-CN" dirty="0" smtClean="0"/>
-              <a:t>Give four score for the previous four features.</a:t>
-            </a:r>
-          </a:p>
-          <a:p>
-            <a:pPr lvl="1"/>
-            <a:r>
-              <a:rPr kumimoji="1" lang="en-US" altLang="zh-CN" dirty="0" err="1" smtClean="0"/>
-              <a:t>FrequencyScore</a:t>
-            </a:r>
-            <a:r>
-              <a:rPr kumimoji="1" lang="en-US" altLang="zh-CN" dirty="0" smtClean="0"/>
-              <a:t>(FS)</a:t>
-            </a:r>
-          </a:p>
-          <a:p>
-            <a:pPr lvl="1"/>
-            <a:r>
-              <a:rPr kumimoji="1" lang="en-US" altLang="zh-CN" dirty="0" err="1" smtClean="0"/>
-              <a:t>PositionScore</a:t>
-            </a:r>
-            <a:r>
-              <a:rPr kumimoji="1" lang="en-US" altLang="zh-CN" dirty="0" smtClean="0"/>
-              <a:t>(PS)</a:t>
-            </a:r>
-          </a:p>
-          <a:p>
-            <a:pPr lvl="1"/>
-            <a:r>
-              <a:rPr kumimoji="1" lang="en-US" altLang="zh-CN" dirty="0" err="1" smtClean="0"/>
-              <a:t>CueWordScore</a:t>
-            </a:r>
-            <a:r>
-              <a:rPr kumimoji="1" lang="en-US" altLang="zh-CN" dirty="0" smtClean="0"/>
-              <a:t>(CWS)</a:t>
-            </a:r>
-          </a:p>
-          <a:p>
-            <a:pPr lvl="1"/>
-            <a:r>
-              <a:rPr kumimoji="1" lang="en-US" altLang="zh-CN" dirty="0" err="1" smtClean="0"/>
-              <a:t>SimilarityScore</a:t>
-            </a:r>
-            <a:r>
-              <a:rPr kumimoji="1" lang="en-US" altLang="zh-CN" dirty="0" smtClean="0"/>
-              <a:t>(SS)</a:t>
-            </a:r>
-            <a:endParaRPr kumimoji="1" lang="en-US" altLang="zh-CN" dirty="0"/>
-          </a:p>
-          <a:p>
-            <a:endParaRPr kumimoji="1" lang="en-US" altLang="zh-CN" dirty="0" smtClean="0"/>
-          </a:p>
-          <a:p>
-            <a:r>
-              <a:rPr kumimoji="1" lang="en-US" altLang="zh-CN" dirty="0" smtClean="0"/>
-              <a:t>Final score = a*FS + b*PS + c*CWS + d*SS</a:t>
-            </a:r>
-          </a:p>
-          <a:p>
-            <a:r>
-              <a:rPr kumimoji="1" lang="en-US" altLang="zh-CN" dirty="0" smtClean="0"/>
-              <a:t>Real implementation :</a:t>
-            </a:r>
-          </a:p>
-          <a:p>
-            <a:pPr lvl="1"/>
-            <a:r>
-              <a:rPr lang="en-US" altLang="zh-CN" dirty="0" err="1" smtClean="0"/>
-              <a:t>SentenceScore</a:t>
-            </a:r>
-            <a:r>
-              <a:rPr lang="en-US" altLang="zh-CN" dirty="0" smtClean="0"/>
-              <a:t> </a:t>
-            </a:r>
-            <a:r>
-              <a:rPr lang="en-US" altLang="zh-CN" dirty="0"/>
-              <a:t>= (</a:t>
-            </a:r>
-            <a:r>
-              <a:rPr lang="en-US" altLang="zh-CN" dirty="0" err="1"/>
-              <a:t>FrequencyScore</a:t>
-            </a:r>
-            <a:r>
-              <a:rPr lang="en-US" altLang="zh-CN" dirty="0"/>
-              <a:t> + </a:t>
-            </a:r>
-            <a:r>
-              <a:rPr lang="en-US" altLang="zh-CN" dirty="0" err="1"/>
-              <a:t>SimilarityScore</a:t>
-            </a:r>
-            <a:r>
-              <a:rPr lang="en-US" altLang="zh-CN" dirty="0"/>
-              <a:t>) * </a:t>
-            </a:r>
-            <a:r>
-              <a:rPr lang="en-US" altLang="zh-CN" dirty="0" err="1"/>
-              <a:t>PositionScore</a:t>
-            </a:r>
-            <a:r>
-              <a:rPr lang="en-US" altLang="zh-CN" dirty="0"/>
-              <a:t> * </a:t>
-            </a:r>
-            <a:r>
-              <a:rPr lang="en-US" altLang="zh-CN" dirty="0" smtClean="0"/>
-              <a:t>(</a:t>
-            </a:r>
-            <a:r>
-              <a:rPr lang="en-US" altLang="zh-CN" dirty="0"/>
-              <a:t>1 + (</a:t>
-            </a:r>
-            <a:r>
-              <a:rPr lang="en-US" altLang="zh-CN" dirty="0" err="1"/>
-              <a:t>CueWordScore</a:t>
-            </a:r>
-            <a:r>
-              <a:rPr lang="en-US" altLang="zh-CN" dirty="0"/>
-              <a:t> * 0.1</a:t>
-            </a:r>
-            <a:r>
-              <a:rPr lang="en-US" altLang="zh-CN" dirty="0" smtClean="0"/>
-              <a:t>))</a:t>
-            </a:r>
-          </a:p>
-          <a:p>
-            <a:pPr lvl="1"/>
-            <a:r>
-              <a:rPr kumimoji="1" lang="en-US" altLang="zh-CN" dirty="0" smtClean="0"/>
-              <a:t>Still need tuning</a:t>
-            </a:r>
-          </a:p>
-          <a:p>
-            <a:endParaRPr kumimoji="1" lang="en-US" altLang="zh-CN" dirty="0" smtClean="0"/>
-          </a:p>
-          <a:p>
-            <a:endParaRPr kumimoji="1" lang="zh-CN" altLang="en-US" dirty="0"/>
-          </a:p>
-        </p:txBody>
-      </p:sp>
-      <p:sp>
-        <p:nvSpPr>
-          <p:cNvPr id="3" name="标题 2"/>
-          <p:cNvSpPr>
-            <a:spLocks noGrp="1"/>
-          </p:cNvSpPr>
-          <p:nvPr>
-            <p:ph type="title"/>
-          </p:nvPr>
-        </p:nvSpPr>
-        <p:spPr/>
-        <p:txBody>
-          <a:bodyPr/>
-          <a:lstStyle/>
-          <a:p>
-            <a:r>
-              <a:rPr kumimoji="1" lang="en-US" altLang="zh-CN" dirty="0" smtClean="0"/>
-              <a:t>Sentence Score</a:t>
-            </a:r>
-            <a:endParaRPr kumimoji="1" lang="zh-CN" altLang="en-US" dirty="0"/>
-          </a:p>
-        </p:txBody>
-      </p:sp>
-    </p:spTree>
-    <p:extLst>
-      <p:ext uri="{BB962C8B-B14F-4D97-AF65-F5344CB8AC3E}">
-        <p14:creationId xmlns:p14="http://schemas.microsoft.com/office/powerpoint/2010/main" val="114726732"/>
-      </p:ext>
-    </p:extLst>
-  </p:cSld>
-  <p:clrMapOvr>
-    <a:masterClrMapping/>
-  </p:clrMapOvr>
-  <p:timing>
-    <p:tnLst>
-      <p:par>
-        <p:cTn xmlns:p14="http://schemas.microsoft.com/office/powerpoint/2010/main" id="1" dur="indefinite" restart="never" nodeType="tmRoot"/>
-      </p:par>
-    </p:tnLst>
-  </p:timing>
-</p:sld>
-</file>
-
-<file path=ppt/slides/slide6.xml><?xml version="1.0" encoding="utf-8"?>
-<p:sld xmlns:a="http://schemas.openxmlformats.org/drawingml/2006/main" xmlns:r="http://schemas.openxmlformats.org/officeDocument/2006/relationships" xmlns:p="http://schemas.openxmlformats.org/presentationml/2006/main">
-  <p:cSld>
-    <p:spTree>
-      <p:nvGrpSpPr>
-        <p:cNvPr id="1" name=""/>
-        <p:cNvGrpSpPr/>
-        <p:nvPr/>
-      </p:nvGrpSpPr>
-      <p:grpSpPr>
-        <a:xfrm>
-          <a:off x="0" y="0"/>
-          <a:ext cx="0" cy="0"/>
-          <a:chOff x="0" y="0"/>
-          <a:chExt cx="0" cy="0"/>
-        </a:xfrm>
-      </p:grpSpPr>
-      <p:sp>
-        <p:nvSpPr>
-          <p:cNvPr id="2" name="内容占位符 1"/>
-          <p:cNvSpPr>
-            <a:spLocks noGrp="1"/>
-          </p:cNvSpPr>
-          <p:nvPr>
-            <p:ph idx="1"/>
-          </p:nvPr>
-        </p:nvSpPr>
-        <p:spPr/>
-        <p:txBody>
-          <a:bodyPr/>
-          <a:lstStyle/>
-          <a:p>
-            <a:r>
               <a:rPr kumimoji="1" lang="en-US" altLang="zh-CN" smtClean="0"/>
               <a:t>Rank </a:t>
             </a:r>
@@ -5453,7 +4751,7 @@
 </p:sld>
 </file>
 
-<file path=ppt/slides/slide7.xml><?xml version="1.0" encoding="utf-8"?>
+<file path=ppt/slides/slide12.xml><?xml version="1.0" encoding="utf-8"?>
 <p:sld xmlns:a="http://schemas.openxmlformats.org/drawingml/2006/main" xmlns:r="http://schemas.openxmlformats.org/officeDocument/2006/relationships" xmlns:p="http://schemas.openxmlformats.org/presentationml/2006/main">
   <p:cSld>
     <p:spTree>
@@ -5554,7 +4852,7 @@
 </p:sld>
 </file>
 
-<file path=ppt/slides/slide8.xml><?xml version="1.0" encoding="utf-8"?>
+<file path=ppt/slides/slide13.xml><?xml version="1.0" encoding="utf-8"?>
 <p:sld xmlns:a="http://schemas.openxmlformats.org/drawingml/2006/main" xmlns:r="http://schemas.openxmlformats.org/officeDocument/2006/relationships" xmlns:p="http://schemas.openxmlformats.org/presentationml/2006/main">
   <p:cSld>
     <p:spTree>
@@ -5637,7 +4935,7 @@
 </p:sld>
 </file>
 
-<file path=ppt/slides/slide9.xml><?xml version="1.0" encoding="utf-8"?>
+<file path=ppt/slides/slide14.xml><?xml version="1.0" encoding="utf-8"?>
 <p:sld xmlns:a="http://schemas.openxmlformats.org/drawingml/2006/main" xmlns:r="http://schemas.openxmlformats.org/officeDocument/2006/relationships" xmlns:p="http://schemas.openxmlformats.org/presentationml/2006/main">
   <p:cSld>
     <p:spTree>
@@ -6015,10 +5313,1966 @@
           </a:p>
         </p:txBody>
       </p:sp>
+      <p:sp>
+        <p:nvSpPr>
+          <p:cNvPr id="2" name="文本框 1"/>
+          <p:cNvSpPr txBox="1"/>
+          <p:nvPr/>
+        </p:nvSpPr>
+        <p:spPr>
+          <a:xfrm>
+            <a:off x="688490" y="4662145"/>
+            <a:ext cx="6455613" cy="646331"/>
+          </a:xfrm>
+          <a:prstGeom prst="rect">
+            <a:avLst/>
+          </a:prstGeom>
+          <a:noFill/>
+        </p:spPr>
+        <p:txBody>
+          <a:bodyPr wrap="none" rtlCol="0">
+            <a:spAutoFit/>
+          </a:bodyPr>
+          <a:lstStyle/>
+          <a:p>
+            <a:r>
+              <a:rPr kumimoji="1" lang="en-US" altLang="zh-CN" dirty="0" smtClean="0"/>
+              <a:t>Data used: ../training/</a:t>
+            </a:r>
+            <a:r>
+              <a:rPr kumimoji="1" lang="en-US" altLang="zh-CN" dirty="0"/>
+              <a:t>2009/UpdateSumm09_test_topics.xml</a:t>
+            </a:r>
+            <a:endParaRPr kumimoji="1" lang="en-US" altLang="zh-CN" dirty="0" smtClean="0"/>
+          </a:p>
+          <a:p>
+            <a:r>
+              <a:rPr kumimoji="1" lang="en-US" altLang="zh-CN" dirty="0" smtClean="0"/>
+              <a:t>ID from </a:t>
+            </a:r>
+            <a:r>
+              <a:rPr kumimoji="1" lang="is-IS" altLang="zh-CN" dirty="0"/>
+              <a:t>D0901A to D0944H </a:t>
+            </a:r>
+            <a:r>
+              <a:rPr kumimoji="1" lang="en-US" altLang="zh-CN" dirty="0" smtClean="0"/>
+              <a:t> </a:t>
+            </a:r>
+            <a:endParaRPr kumimoji="1" lang="zh-CN" altLang="en-US" dirty="0"/>
+          </a:p>
+        </p:txBody>
+      </p:sp>
     </p:spTree>
     <p:extLst>
       <p:ext uri="{BB962C8B-B14F-4D97-AF65-F5344CB8AC3E}">
         <p14:creationId xmlns:p14="http://schemas.microsoft.com/office/powerpoint/2010/main" val="2298596236"/>
+      </p:ext>
+    </p:extLst>
+  </p:cSld>
+  <p:clrMapOvr>
+    <a:masterClrMapping/>
+  </p:clrMapOvr>
+  <p:timing>
+    <p:tnLst>
+      <p:par>
+        <p:cTn xmlns:p14="http://schemas.microsoft.com/office/powerpoint/2010/main" id="1" dur="indefinite" restart="never" nodeType="tmRoot"/>
+      </p:par>
+    </p:tnLst>
+  </p:timing>
+</p:sld>
+</file>
+
+<file path=ppt/slides/slide15.xml><?xml version="1.0" encoding="utf-8"?>
+<p:sld xmlns:a="http://schemas.openxmlformats.org/drawingml/2006/main" xmlns:r="http://schemas.openxmlformats.org/officeDocument/2006/relationships" xmlns:p="http://schemas.openxmlformats.org/presentationml/2006/main">
+  <p:cSld>
+    <p:spTree>
+      <p:nvGrpSpPr>
+        <p:cNvPr id="1" name=""/>
+        <p:cNvGrpSpPr/>
+        <p:nvPr/>
+      </p:nvGrpSpPr>
+      <p:grpSpPr>
+        <a:xfrm>
+          <a:off x="0" y="0"/>
+          <a:ext cx="0" cy="0"/>
+          <a:chOff x="0" y="0"/>
+          <a:chExt cx="0" cy="0"/>
+        </a:xfrm>
+      </p:grpSpPr>
+      <p:sp>
+        <p:nvSpPr>
+          <p:cNvPr id="2" name="内容占位符 1"/>
+          <p:cNvSpPr>
+            <a:spLocks noGrp="1"/>
+          </p:cNvSpPr>
+          <p:nvPr>
+            <p:ph idx="1"/>
+          </p:nvPr>
+        </p:nvSpPr>
+        <p:spPr/>
+        <p:txBody>
+          <a:bodyPr/>
+          <a:lstStyle/>
+          <a:p>
+            <a:r>
+              <a:rPr kumimoji="1" lang="en-US" altLang="zh-CN" dirty="0" smtClean="0"/>
+              <a:t>ROUGE score result</a:t>
+            </a:r>
+          </a:p>
+          <a:p>
+            <a:endParaRPr kumimoji="1" lang="en-US" altLang="zh-CN" dirty="0"/>
+          </a:p>
+          <a:p>
+            <a:r>
+              <a:rPr kumimoji="1" lang="en-US" altLang="zh-CN" dirty="0" smtClean="0"/>
+              <a:t>Score formula</a:t>
+            </a:r>
+          </a:p>
+          <a:p>
+            <a:endParaRPr kumimoji="1" lang="en-US" altLang="zh-CN" dirty="0"/>
+          </a:p>
+          <a:p>
+            <a:r>
+              <a:rPr kumimoji="1" lang="en-US" altLang="zh-CN" dirty="0" smtClean="0"/>
+              <a:t>Content realization</a:t>
+            </a:r>
+          </a:p>
+          <a:p>
+            <a:endParaRPr kumimoji="1" lang="zh-CN" altLang="en-US" dirty="0"/>
+          </a:p>
+        </p:txBody>
+      </p:sp>
+      <p:sp>
+        <p:nvSpPr>
+          <p:cNvPr id="3" name="标题 2"/>
+          <p:cNvSpPr>
+            <a:spLocks noGrp="1"/>
+          </p:cNvSpPr>
+          <p:nvPr>
+            <p:ph type="title"/>
+          </p:nvPr>
+        </p:nvSpPr>
+        <p:spPr/>
+        <p:txBody>
+          <a:bodyPr/>
+          <a:lstStyle/>
+          <a:p>
+            <a:r>
+              <a:rPr kumimoji="1" lang="en-US" altLang="zh-CN" dirty="0" smtClean="0"/>
+              <a:t>Issues and </a:t>
+            </a:r>
+            <a:r>
+              <a:rPr kumimoji="1" lang="en-US" altLang="zh-CN" dirty="0" smtClean="0"/>
+              <a:t>Successes</a:t>
+            </a:r>
+            <a:endParaRPr kumimoji="1" lang="zh-CN" altLang="en-US" dirty="0"/>
+          </a:p>
+        </p:txBody>
+      </p:sp>
+    </p:spTree>
+    <p:extLst>
+      <p:ext uri="{BB962C8B-B14F-4D97-AF65-F5344CB8AC3E}">
+        <p14:creationId xmlns:p14="http://schemas.microsoft.com/office/powerpoint/2010/main" val="1417477386"/>
+      </p:ext>
+    </p:extLst>
+  </p:cSld>
+  <p:clrMapOvr>
+    <a:masterClrMapping/>
+  </p:clrMapOvr>
+  <p:timing>
+    <p:tnLst>
+      <p:par>
+        <p:cTn xmlns:p14="http://schemas.microsoft.com/office/powerpoint/2010/main" id="1" dur="indefinite" restart="never" nodeType="tmRoot"/>
+      </p:par>
+    </p:tnLst>
+  </p:timing>
+</p:sld>
+</file>
+
+<file path=ppt/slides/slide16.xml><?xml version="1.0" encoding="utf-8"?>
+<p:sld xmlns:a="http://schemas.openxmlformats.org/drawingml/2006/main" xmlns:r="http://schemas.openxmlformats.org/officeDocument/2006/relationships" xmlns:p="http://schemas.openxmlformats.org/presentationml/2006/main">
+  <p:cSld>
+    <p:spTree>
+      <p:nvGrpSpPr>
+        <p:cNvPr id="1" name=""/>
+        <p:cNvGrpSpPr/>
+        <p:nvPr/>
+      </p:nvGrpSpPr>
+      <p:grpSpPr>
+        <a:xfrm>
+          <a:off x="0" y="0"/>
+          <a:ext cx="0" cy="0"/>
+          <a:chOff x="0" y="0"/>
+          <a:chExt cx="0" cy="0"/>
+        </a:xfrm>
+      </p:grpSpPr>
+      <p:sp>
+        <p:nvSpPr>
+          <p:cNvPr id="2" name="内容占位符 1"/>
+          <p:cNvSpPr>
+            <a:spLocks noGrp="1"/>
+          </p:cNvSpPr>
+          <p:nvPr>
+            <p:ph idx="1"/>
+          </p:nvPr>
+        </p:nvSpPr>
+        <p:spPr/>
+        <p:txBody>
+          <a:bodyPr/>
+          <a:lstStyle/>
+          <a:p>
+            <a:r>
+              <a:rPr kumimoji="1" lang="en-US" altLang="zh-CN" dirty="0" smtClean="0"/>
+              <a:t>P. </a:t>
+            </a:r>
+            <a:r>
+              <a:rPr kumimoji="1" lang="en-US" altLang="zh-CN" dirty="0" err="1" smtClean="0"/>
+              <a:t>Sarraf</a:t>
+            </a:r>
+            <a:r>
+              <a:rPr kumimoji="1" lang="en-US" altLang="zh-CN" dirty="0" smtClean="0"/>
+              <a:t>, Y. K. </a:t>
+            </a:r>
+            <a:r>
+              <a:rPr kumimoji="1" lang="en-US" altLang="zh-CN" dirty="0" err="1" smtClean="0"/>
+              <a:t>Meena</a:t>
+            </a:r>
+            <a:r>
+              <a:rPr kumimoji="1" lang="en-US" altLang="zh-CN" dirty="0" smtClean="0"/>
+              <a:t>, Summarization of Document using Java ,Vol. 3, Issue 2, February </a:t>
+            </a:r>
+            <a:r>
+              <a:rPr kumimoji="1" lang="mr-IN" altLang="zh-CN" dirty="0" smtClean="0"/>
+              <a:t>–</a:t>
+            </a:r>
+            <a:r>
+              <a:rPr kumimoji="1" lang="en-US" altLang="zh-CN" dirty="0" smtClean="0"/>
+              <a:t> 2014 International Journal of Engineering Research &amp; Technology(IJERT)</a:t>
+            </a:r>
+            <a:endParaRPr kumimoji="1" lang="zh-CN" altLang="en-US" dirty="0"/>
+          </a:p>
+        </p:txBody>
+      </p:sp>
+      <p:sp>
+        <p:nvSpPr>
+          <p:cNvPr id="3" name="标题 2"/>
+          <p:cNvSpPr>
+            <a:spLocks noGrp="1"/>
+          </p:cNvSpPr>
+          <p:nvPr>
+            <p:ph type="title"/>
+          </p:nvPr>
+        </p:nvSpPr>
+        <p:spPr/>
+        <p:txBody>
+          <a:bodyPr/>
+          <a:lstStyle/>
+          <a:p>
+            <a:r>
+              <a:rPr kumimoji="1" lang="en-US" altLang="zh-CN" dirty="0" smtClean="0"/>
+              <a:t>Related reading</a:t>
+            </a:r>
+            <a:endParaRPr kumimoji="1" lang="zh-CN" altLang="en-US" dirty="0"/>
+          </a:p>
+        </p:txBody>
+      </p:sp>
+    </p:spTree>
+    <p:extLst>
+      <p:ext uri="{BB962C8B-B14F-4D97-AF65-F5344CB8AC3E}">
+        <p14:creationId xmlns:p14="http://schemas.microsoft.com/office/powerpoint/2010/main" val="2357070740"/>
+      </p:ext>
+    </p:extLst>
+  </p:cSld>
+  <p:clrMapOvr>
+    <a:masterClrMapping/>
+  </p:clrMapOvr>
+  <p:timing>
+    <p:tnLst>
+      <p:par>
+        <p:cTn xmlns:p14="http://schemas.microsoft.com/office/powerpoint/2010/main" id="1" dur="indefinite" restart="never" nodeType="tmRoot"/>
+      </p:par>
+    </p:tnLst>
+  </p:timing>
+</p:sld>
+</file>
+
+<file path=ppt/slides/slide17.xml><?xml version="1.0" encoding="utf-8"?>
+<p:sld xmlns:a="http://schemas.openxmlformats.org/drawingml/2006/main" xmlns:r="http://schemas.openxmlformats.org/officeDocument/2006/relationships" xmlns:p="http://schemas.openxmlformats.org/presentationml/2006/main">
+  <p:cSld>
+    <p:spTree>
+      <p:nvGrpSpPr>
+        <p:cNvPr id="1" name=""/>
+        <p:cNvGrpSpPr/>
+        <p:nvPr/>
+      </p:nvGrpSpPr>
+      <p:grpSpPr>
+        <a:xfrm>
+          <a:off x="0" y="0"/>
+          <a:ext cx="0" cy="0"/>
+          <a:chOff x="0" y="0"/>
+          <a:chExt cx="0" cy="0"/>
+        </a:xfrm>
+      </p:grpSpPr>
+      <p:sp>
+        <p:nvSpPr>
+          <p:cNvPr id="2" name="内容占位符 1"/>
+          <p:cNvSpPr>
+            <a:spLocks noGrp="1"/>
+          </p:cNvSpPr>
+          <p:nvPr>
+            <p:ph idx="1"/>
+          </p:nvPr>
+        </p:nvSpPr>
+        <p:spPr/>
+        <p:txBody>
+          <a:bodyPr/>
+          <a:lstStyle/>
+          <a:p>
+            <a:pPr marL="0" indent="0">
+              <a:buNone/>
+            </a:pPr>
+            <a:endParaRPr kumimoji="1" lang="zh-CN" altLang="en-US" dirty="0"/>
+          </a:p>
+        </p:txBody>
+      </p:sp>
+      <p:sp>
+        <p:nvSpPr>
+          <p:cNvPr id="3" name="标题 2"/>
+          <p:cNvSpPr>
+            <a:spLocks noGrp="1"/>
+          </p:cNvSpPr>
+          <p:nvPr>
+            <p:ph type="title"/>
+          </p:nvPr>
+        </p:nvSpPr>
+        <p:spPr/>
+        <p:txBody>
+          <a:bodyPr/>
+          <a:lstStyle/>
+          <a:p>
+            <a:r>
+              <a:rPr kumimoji="1" lang="en-US" altLang="zh-CN" dirty="0" smtClean="0"/>
+              <a:t>Thank you</a:t>
+            </a:r>
+            <a:endParaRPr kumimoji="1" lang="zh-CN" altLang="en-US" dirty="0"/>
+          </a:p>
+        </p:txBody>
+      </p:sp>
+    </p:spTree>
+    <p:extLst>
+      <p:ext uri="{BB962C8B-B14F-4D97-AF65-F5344CB8AC3E}">
+        <p14:creationId xmlns:p14="http://schemas.microsoft.com/office/powerpoint/2010/main" val="343104714"/>
+      </p:ext>
+    </p:extLst>
+  </p:cSld>
+  <p:clrMapOvr>
+    <a:masterClrMapping/>
+  </p:clrMapOvr>
+  <p:timing>
+    <p:tnLst>
+      <p:par>
+        <p:cTn xmlns:p14="http://schemas.microsoft.com/office/powerpoint/2010/main" id="1" dur="indefinite" restart="never" nodeType="tmRoot"/>
+      </p:par>
+    </p:tnLst>
+  </p:timing>
+</p:sld>
+</file>
+
+<file path=ppt/slides/slide2.xml><?xml version="1.0" encoding="utf-8"?>
+<p:sld xmlns:a="http://schemas.openxmlformats.org/drawingml/2006/main" xmlns:r="http://schemas.openxmlformats.org/officeDocument/2006/relationships" xmlns:p="http://schemas.openxmlformats.org/presentationml/2006/main">
+  <p:cSld>
+    <p:spTree>
+      <p:nvGrpSpPr>
+        <p:cNvPr id="1" name=""/>
+        <p:cNvGrpSpPr/>
+        <p:nvPr/>
+      </p:nvGrpSpPr>
+      <p:grpSpPr>
+        <a:xfrm>
+          <a:off x="0" y="0"/>
+          <a:ext cx="0" cy="0"/>
+          <a:chOff x="0" y="0"/>
+          <a:chExt cx="0" cy="0"/>
+        </a:xfrm>
+      </p:grpSpPr>
+      <p:sp>
+        <p:nvSpPr>
+          <p:cNvPr id="2" name="内容占位符 1"/>
+          <p:cNvSpPr>
+            <a:spLocks noGrp="1"/>
+          </p:cNvSpPr>
+          <p:nvPr>
+            <p:ph idx="1"/>
+          </p:nvPr>
+        </p:nvSpPr>
+        <p:spPr/>
+        <p:txBody>
+          <a:bodyPr>
+            <a:normAutofit fontScale="92500" lnSpcReduction="20000"/>
+          </a:bodyPr>
+          <a:lstStyle/>
+          <a:p>
+            <a:r>
+              <a:rPr kumimoji="1" lang="en-US" altLang="zh-CN" dirty="0" smtClean="0"/>
+              <a:t>Preprocessing</a:t>
+            </a:r>
+          </a:p>
+          <a:p>
+            <a:endParaRPr kumimoji="1" lang="en-US" altLang="zh-CN" dirty="0" smtClean="0"/>
+          </a:p>
+          <a:p>
+            <a:r>
+              <a:rPr kumimoji="1" lang="en-US" altLang="zh-CN" dirty="0" smtClean="0"/>
+              <a:t>Feature Extraction</a:t>
+            </a:r>
+          </a:p>
+          <a:p>
+            <a:endParaRPr kumimoji="1" lang="en-US" altLang="zh-CN" dirty="0" smtClean="0"/>
+          </a:p>
+          <a:p>
+            <a:r>
+              <a:rPr kumimoji="1" lang="en-US" altLang="zh-CN" dirty="0" smtClean="0"/>
+              <a:t>Sentence Scoring</a:t>
+            </a:r>
+          </a:p>
+          <a:p>
+            <a:endParaRPr kumimoji="1" lang="en-US" altLang="zh-CN" dirty="0" smtClean="0"/>
+          </a:p>
+          <a:p>
+            <a:r>
+              <a:rPr kumimoji="1" lang="en-US" altLang="zh-CN" dirty="0" smtClean="0"/>
+              <a:t>Sentence Selection</a:t>
+            </a:r>
+          </a:p>
+          <a:p>
+            <a:endParaRPr kumimoji="1" lang="en-US" altLang="zh-CN" dirty="0"/>
+          </a:p>
+          <a:p>
+            <a:r>
+              <a:rPr kumimoji="1" lang="en-US" altLang="zh-CN" dirty="0" smtClean="0"/>
+              <a:t>Information </a:t>
+            </a:r>
+            <a:r>
+              <a:rPr kumimoji="1" lang="en-US" altLang="zh-CN" dirty="0" smtClean="0"/>
+              <a:t>Ordering</a:t>
+            </a:r>
+          </a:p>
+          <a:p>
+            <a:endParaRPr kumimoji="1" lang="en-US" altLang="zh-CN" dirty="0"/>
+          </a:p>
+          <a:p>
+            <a:r>
+              <a:rPr kumimoji="1" lang="en-US" altLang="zh-CN" dirty="0" smtClean="0"/>
+              <a:t>Content Realization (not yet)</a:t>
+            </a:r>
+            <a:endParaRPr kumimoji="1" lang="zh-CN" altLang="en-US" dirty="0"/>
+          </a:p>
+        </p:txBody>
+      </p:sp>
+      <p:sp>
+        <p:nvSpPr>
+          <p:cNvPr id="3" name="标题 2"/>
+          <p:cNvSpPr>
+            <a:spLocks noGrp="1"/>
+          </p:cNvSpPr>
+          <p:nvPr>
+            <p:ph type="title"/>
+          </p:nvPr>
+        </p:nvSpPr>
+        <p:spPr/>
+        <p:txBody>
+          <a:bodyPr/>
+          <a:lstStyle/>
+          <a:p>
+            <a:r>
+              <a:rPr kumimoji="1" lang="en-US" altLang="zh-CN" dirty="0" smtClean="0"/>
+              <a:t>System architecture</a:t>
+            </a:r>
+            <a:endParaRPr kumimoji="1" lang="zh-CN" altLang="en-US" dirty="0"/>
+          </a:p>
+        </p:txBody>
+      </p:sp>
+    </p:spTree>
+    <p:extLst>
+      <p:ext uri="{BB962C8B-B14F-4D97-AF65-F5344CB8AC3E}">
+        <p14:creationId xmlns:p14="http://schemas.microsoft.com/office/powerpoint/2010/main" val="3303707414"/>
+      </p:ext>
+    </p:extLst>
+  </p:cSld>
+  <p:clrMapOvr>
+    <a:masterClrMapping/>
+  </p:clrMapOvr>
+  <p:timing>
+    <p:tnLst>
+      <p:par>
+        <p:cTn xmlns:p14="http://schemas.microsoft.com/office/powerpoint/2010/main" id="1" dur="indefinite" restart="never" nodeType="tmRoot"/>
+      </p:par>
+    </p:tnLst>
+  </p:timing>
+</p:sld>
+</file>
+
+<file path=ppt/slides/slide3.xml><?xml version="1.0" encoding="utf-8"?>
+<p:sld xmlns:a="http://schemas.openxmlformats.org/drawingml/2006/main" xmlns:r="http://schemas.openxmlformats.org/officeDocument/2006/relationships" xmlns:p="http://schemas.openxmlformats.org/presentationml/2006/main">
+  <p:cSld>
+    <p:spTree>
+      <p:nvGrpSpPr>
+        <p:cNvPr id="1" name=""/>
+        <p:cNvGrpSpPr/>
+        <p:nvPr/>
+      </p:nvGrpSpPr>
+      <p:grpSpPr>
+        <a:xfrm>
+          <a:off x="0" y="0"/>
+          <a:ext cx="0" cy="0"/>
+          <a:chOff x="0" y="0"/>
+          <a:chExt cx="0" cy="0"/>
+        </a:xfrm>
+      </p:grpSpPr>
+      <p:sp>
+        <p:nvSpPr>
+          <p:cNvPr id="3" name="标题 2"/>
+          <p:cNvSpPr>
+            <a:spLocks noGrp="1"/>
+          </p:cNvSpPr>
+          <p:nvPr>
+            <p:ph type="title"/>
+          </p:nvPr>
+        </p:nvSpPr>
+        <p:spPr/>
+        <p:txBody>
+          <a:bodyPr/>
+          <a:lstStyle/>
+          <a:p>
+            <a:r>
+              <a:rPr kumimoji="1" lang="en-US" altLang="zh-CN" dirty="0"/>
+              <a:t>System architecture</a:t>
+            </a:r>
+            <a:endParaRPr kumimoji="1" lang="zh-CN" altLang="en-US" dirty="0"/>
+          </a:p>
+        </p:txBody>
+      </p:sp>
+      <p:sp>
+        <p:nvSpPr>
+          <p:cNvPr id="4" name="矩形 3"/>
+          <p:cNvSpPr/>
+          <p:nvPr/>
+        </p:nvSpPr>
+        <p:spPr>
+          <a:xfrm>
+            <a:off x="538477" y="3697251"/>
+            <a:ext cx="1471197" cy="691225"/>
+          </a:xfrm>
+          <a:prstGeom prst="rect">
+            <a:avLst/>
+          </a:prstGeom>
+        </p:spPr>
+        <p:style>
+          <a:lnRef idx="1">
+            <a:schemeClr val="accent1"/>
+          </a:lnRef>
+          <a:fillRef idx="3">
+            <a:schemeClr val="accent1"/>
+          </a:fillRef>
+          <a:effectRef idx="2">
+            <a:schemeClr val="accent1"/>
+          </a:effectRef>
+          <a:fontRef idx="minor">
+            <a:schemeClr val="lt1"/>
+          </a:fontRef>
+        </p:style>
+        <p:txBody>
+          <a:bodyPr rtlCol="0" anchor="ctr"/>
+          <a:lstStyle/>
+          <a:p>
+            <a:pPr algn="ctr"/>
+            <a:r>
+              <a:rPr kumimoji="1" lang="en-US" altLang="zh-CN" dirty="0" smtClean="0"/>
+              <a:t>Documents</a:t>
+            </a:r>
+            <a:endParaRPr kumimoji="1" lang="zh-CN" altLang="en-US" dirty="0"/>
+          </a:p>
+        </p:txBody>
+      </p:sp>
+      <p:sp>
+        <p:nvSpPr>
+          <p:cNvPr id="5" name="矩形 4"/>
+          <p:cNvSpPr/>
+          <p:nvPr/>
+        </p:nvSpPr>
+        <p:spPr>
+          <a:xfrm>
+            <a:off x="2242033" y="4396201"/>
+            <a:ext cx="1471197" cy="691225"/>
+          </a:xfrm>
+          <a:prstGeom prst="rect">
+            <a:avLst/>
+          </a:prstGeom>
+        </p:spPr>
+        <p:style>
+          <a:lnRef idx="1">
+            <a:schemeClr val="accent1"/>
+          </a:lnRef>
+          <a:fillRef idx="3">
+            <a:schemeClr val="accent1"/>
+          </a:fillRef>
+          <a:effectRef idx="2">
+            <a:schemeClr val="accent1"/>
+          </a:effectRef>
+          <a:fontRef idx="minor">
+            <a:schemeClr val="lt1"/>
+          </a:fontRef>
+        </p:style>
+        <p:txBody>
+          <a:bodyPr rtlCol="0" anchor="ctr"/>
+          <a:lstStyle/>
+          <a:p>
+            <a:pPr algn="ctr"/>
+            <a:r>
+              <a:rPr kumimoji="1" lang="en-US" altLang="zh-CN" dirty="0" smtClean="0"/>
+              <a:t>Words</a:t>
+            </a:r>
+            <a:endParaRPr kumimoji="1" lang="zh-CN" altLang="en-US" dirty="0"/>
+          </a:p>
+        </p:txBody>
+      </p:sp>
+      <p:sp>
+        <p:nvSpPr>
+          <p:cNvPr id="6" name="矩形 5"/>
+          <p:cNvSpPr/>
+          <p:nvPr/>
+        </p:nvSpPr>
+        <p:spPr>
+          <a:xfrm>
+            <a:off x="2242033" y="3656438"/>
+            <a:ext cx="1471197" cy="691225"/>
+          </a:xfrm>
+          <a:prstGeom prst="rect">
+            <a:avLst/>
+          </a:prstGeom>
+        </p:spPr>
+        <p:style>
+          <a:lnRef idx="1">
+            <a:schemeClr val="accent1"/>
+          </a:lnRef>
+          <a:fillRef idx="3">
+            <a:schemeClr val="accent1"/>
+          </a:fillRef>
+          <a:effectRef idx="2">
+            <a:schemeClr val="accent1"/>
+          </a:effectRef>
+          <a:fontRef idx="minor">
+            <a:schemeClr val="lt1"/>
+          </a:fontRef>
+        </p:style>
+        <p:txBody>
+          <a:bodyPr rtlCol="0" anchor="ctr"/>
+          <a:lstStyle/>
+          <a:p>
+            <a:pPr algn="ctr"/>
+            <a:r>
+              <a:rPr kumimoji="1" lang="en-US" altLang="zh-CN" dirty="0" smtClean="0"/>
+              <a:t>Sentences</a:t>
+            </a:r>
+            <a:endParaRPr kumimoji="1" lang="zh-CN" altLang="en-US" dirty="0"/>
+          </a:p>
+        </p:txBody>
+      </p:sp>
+      <p:sp>
+        <p:nvSpPr>
+          <p:cNvPr id="7" name="矩形 6"/>
+          <p:cNvSpPr/>
+          <p:nvPr/>
+        </p:nvSpPr>
+        <p:spPr>
+          <a:xfrm>
+            <a:off x="3913417" y="5891176"/>
+            <a:ext cx="1471197" cy="691225"/>
+          </a:xfrm>
+          <a:prstGeom prst="rect">
+            <a:avLst/>
+          </a:prstGeom>
+        </p:spPr>
+        <p:style>
+          <a:lnRef idx="1">
+            <a:schemeClr val="accent1"/>
+          </a:lnRef>
+          <a:fillRef idx="3">
+            <a:schemeClr val="accent1"/>
+          </a:fillRef>
+          <a:effectRef idx="2">
+            <a:schemeClr val="accent1"/>
+          </a:effectRef>
+          <a:fontRef idx="minor">
+            <a:schemeClr val="lt1"/>
+          </a:fontRef>
+        </p:style>
+        <p:txBody>
+          <a:bodyPr rtlCol="0" anchor="ctr"/>
+          <a:lstStyle/>
+          <a:p>
+            <a:pPr algn="ctr"/>
+            <a:r>
+              <a:rPr kumimoji="1" lang="en-US" altLang="zh-CN" dirty="0" smtClean="0"/>
+              <a:t>Similarity</a:t>
+            </a:r>
+            <a:endParaRPr kumimoji="1" lang="zh-CN" altLang="en-US" dirty="0"/>
+          </a:p>
+        </p:txBody>
+      </p:sp>
+      <p:sp>
+        <p:nvSpPr>
+          <p:cNvPr id="8" name="矩形 7"/>
+          <p:cNvSpPr/>
+          <p:nvPr/>
+        </p:nvSpPr>
+        <p:spPr>
+          <a:xfrm>
+            <a:off x="3913417" y="5151726"/>
+            <a:ext cx="1471197" cy="691225"/>
+          </a:xfrm>
+          <a:prstGeom prst="rect">
+            <a:avLst/>
+          </a:prstGeom>
+        </p:spPr>
+        <p:style>
+          <a:lnRef idx="1">
+            <a:schemeClr val="accent1"/>
+          </a:lnRef>
+          <a:fillRef idx="3">
+            <a:schemeClr val="accent1"/>
+          </a:fillRef>
+          <a:effectRef idx="2">
+            <a:schemeClr val="accent1"/>
+          </a:effectRef>
+          <a:fontRef idx="minor">
+            <a:schemeClr val="lt1"/>
+          </a:fontRef>
+        </p:style>
+        <p:txBody>
+          <a:bodyPr rtlCol="0" anchor="ctr"/>
+          <a:lstStyle/>
+          <a:p>
+            <a:pPr algn="ctr"/>
+            <a:r>
+              <a:rPr kumimoji="1" lang="en-US" altLang="zh-CN" dirty="0" smtClean="0"/>
+              <a:t>Cue Words</a:t>
+            </a:r>
+            <a:endParaRPr kumimoji="1" lang="zh-CN" altLang="en-US" dirty="0"/>
+          </a:p>
+        </p:txBody>
+      </p:sp>
+      <p:sp>
+        <p:nvSpPr>
+          <p:cNvPr id="9" name="矩形 8"/>
+          <p:cNvSpPr/>
+          <p:nvPr/>
+        </p:nvSpPr>
+        <p:spPr>
+          <a:xfrm>
+            <a:off x="3913417" y="4419376"/>
+            <a:ext cx="1471197" cy="691225"/>
+          </a:xfrm>
+          <a:prstGeom prst="rect">
+            <a:avLst/>
+          </a:prstGeom>
+        </p:spPr>
+        <p:style>
+          <a:lnRef idx="1">
+            <a:schemeClr val="accent1"/>
+          </a:lnRef>
+          <a:fillRef idx="3">
+            <a:schemeClr val="accent1"/>
+          </a:fillRef>
+          <a:effectRef idx="2">
+            <a:schemeClr val="accent1"/>
+          </a:effectRef>
+          <a:fontRef idx="minor">
+            <a:schemeClr val="lt1"/>
+          </a:fontRef>
+        </p:style>
+        <p:txBody>
+          <a:bodyPr rtlCol="0" anchor="ctr"/>
+          <a:lstStyle/>
+          <a:p>
+            <a:pPr algn="ctr"/>
+            <a:r>
+              <a:rPr kumimoji="1" lang="en-US" altLang="zh-CN" dirty="0" smtClean="0"/>
+              <a:t>Position</a:t>
+            </a:r>
+            <a:endParaRPr kumimoji="1" lang="zh-CN" altLang="en-US" dirty="0"/>
+          </a:p>
+        </p:txBody>
+      </p:sp>
+      <p:sp>
+        <p:nvSpPr>
+          <p:cNvPr id="10" name="矩形 9"/>
+          <p:cNvSpPr/>
+          <p:nvPr/>
+        </p:nvSpPr>
+        <p:spPr>
+          <a:xfrm>
+            <a:off x="3913417" y="3679926"/>
+            <a:ext cx="1471197" cy="691225"/>
+          </a:xfrm>
+          <a:prstGeom prst="rect">
+            <a:avLst/>
+          </a:prstGeom>
+        </p:spPr>
+        <p:style>
+          <a:lnRef idx="1">
+            <a:schemeClr val="accent1"/>
+          </a:lnRef>
+          <a:fillRef idx="3">
+            <a:schemeClr val="accent1"/>
+          </a:fillRef>
+          <a:effectRef idx="2">
+            <a:schemeClr val="accent1"/>
+          </a:effectRef>
+          <a:fontRef idx="minor">
+            <a:schemeClr val="lt1"/>
+          </a:fontRef>
+        </p:style>
+        <p:txBody>
+          <a:bodyPr rtlCol="0" anchor="ctr"/>
+          <a:lstStyle/>
+          <a:p>
+            <a:pPr algn="ctr"/>
+            <a:r>
+              <a:rPr kumimoji="1" lang="en-US" altLang="zh-CN" dirty="0" smtClean="0"/>
+              <a:t>Frequency</a:t>
+            </a:r>
+            <a:endParaRPr kumimoji="1" lang="zh-CN" altLang="en-US" dirty="0"/>
+          </a:p>
+        </p:txBody>
+      </p:sp>
+      <p:sp>
+        <p:nvSpPr>
+          <p:cNvPr id="11" name="矩形 10"/>
+          <p:cNvSpPr/>
+          <p:nvPr/>
+        </p:nvSpPr>
+        <p:spPr>
+          <a:xfrm>
+            <a:off x="5562317" y="3671576"/>
+            <a:ext cx="1471197" cy="691225"/>
+          </a:xfrm>
+          <a:prstGeom prst="rect">
+            <a:avLst/>
+          </a:prstGeom>
+        </p:spPr>
+        <p:style>
+          <a:lnRef idx="1">
+            <a:schemeClr val="accent1"/>
+          </a:lnRef>
+          <a:fillRef idx="3">
+            <a:schemeClr val="accent1"/>
+          </a:fillRef>
+          <a:effectRef idx="2">
+            <a:schemeClr val="accent1"/>
+          </a:effectRef>
+          <a:fontRef idx="minor">
+            <a:schemeClr val="lt1"/>
+          </a:fontRef>
+        </p:style>
+        <p:txBody>
+          <a:bodyPr rtlCol="0" anchor="ctr"/>
+          <a:lstStyle/>
+          <a:p>
+            <a:pPr algn="ctr"/>
+            <a:r>
+              <a:rPr kumimoji="1" lang="en-US" altLang="zh-CN" dirty="0" smtClean="0"/>
+              <a:t>Scored</a:t>
+            </a:r>
+          </a:p>
+          <a:p>
+            <a:pPr algn="ctr"/>
+            <a:r>
+              <a:rPr kumimoji="1" lang="en-US" altLang="zh-CN" dirty="0" smtClean="0"/>
+              <a:t>Sentences</a:t>
+            </a:r>
+            <a:endParaRPr kumimoji="1" lang="zh-CN" altLang="en-US" dirty="0"/>
+          </a:p>
+        </p:txBody>
+      </p:sp>
+      <p:sp>
+        <p:nvSpPr>
+          <p:cNvPr id="12" name="矩形 11"/>
+          <p:cNvSpPr/>
+          <p:nvPr/>
+        </p:nvSpPr>
+        <p:spPr>
+          <a:xfrm>
+            <a:off x="7218287" y="3656438"/>
+            <a:ext cx="1471197" cy="691225"/>
+          </a:xfrm>
+          <a:prstGeom prst="rect">
+            <a:avLst/>
+          </a:prstGeom>
+        </p:spPr>
+        <p:style>
+          <a:lnRef idx="1">
+            <a:schemeClr val="accent1"/>
+          </a:lnRef>
+          <a:fillRef idx="3">
+            <a:schemeClr val="accent1"/>
+          </a:fillRef>
+          <a:effectRef idx="2">
+            <a:schemeClr val="accent1"/>
+          </a:effectRef>
+          <a:fontRef idx="minor">
+            <a:schemeClr val="lt1"/>
+          </a:fontRef>
+        </p:style>
+        <p:txBody>
+          <a:bodyPr rtlCol="0" anchor="ctr"/>
+          <a:lstStyle/>
+          <a:p>
+            <a:pPr algn="ctr"/>
+            <a:r>
+              <a:rPr kumimoji="1" lang="en-US" altLang="zh-CN" dirty="0" smtClean="0"/>
+              <a:t>Summary</a:t>
+            </a:r>
+            <a:endParaRPr kumimoji="1" lang="zh-CN" altLang="en-US" dirty="0"/>
+          </a:p>
+        </p:txBody>
+      </p:sp>
+      <p:sp>
+        <p:nvSpPr>
+          <p:cNvPr id="13" name="环形箭头 12"/>
+          <p:cNvSpPr/>
+          <p:nvPr/>
+        </p:nvSpPr>
+        <p:spPr>
+          <a:xfrm>
+            <a:off x="1318342" y="2700601"/>
+            <a:ext cx="1623814" cy="1718775"/>
+          </a:xfrm>
+          <a:prstGeom prst="circularArrow">
+            <a:avLst/>
+          </a:prstGeom>
+        </p:spPr>
+        <p:style>
+          <a:lnRef idx="1">
+            <a:schemeClr val="accent1"/>
+          </a:lnRef>
+          <a:fillRef idx="3">
+            <a:schemeClr val="accent1"/>
+          </a:fillRef>
+          <a:effectRef idx="2">
+            <a:schemeClr val="accent1"/>
+          </a:effectRef>
+          <a:fontRef idx="minor">
+            <a:schemeClr val="lt1"/>
+          </a:fontRef>
+        </p:style>
+        <p:txBody>
+          <a:bodyPr rtlCol="0" anchor="ctr"/>
+          <a:lstStyle/>
+          <a:p>
+            <a:pPr algn="ctr"/>
+            <a:endParaRPr kumimoji="1" lang="zh-CN" altLang="en-US" dirty="0">
+              <a:solidFill>
+                <a:schemeClr val="tx1"/>
+              </a:solidFill>
+            </a:endParaRPr>
+          </a:p>
+        </p:txBody>
+      </p:sp>
+      <p:sp>
+        <p:nvSpPr>
+          <p:cNvPr id="15" name="环形箭头 14"/>
+          <p:cNvSpPr/>
+          <p:nvPr/>
+        </p:nvSpPr>
+        <p:spPr>
+          <a:xfrm>
+            <a:off x="2998094" y="2700601"/>
+            <a:ext cx="1623814" cy="1718775"/>
+          </a:xfrm>
+          <a:prstGeom prst="circularArrow">
+            <a:avLst/>
+          </a:prstGeom>
+        </p:spPr>
+        <p:style>
+          <a:lnRef idx="1">
+            <a:schemeClr val="accent1"/>
+          </a:lnRef>
+          <a:fillRef idx="3">
+            <a:schemeClr val="accent1"/>
+          </a:fillRef>
+          <a:effectRef idx="2">
+            <a:schemeClr val="accent1"/>
+          </a:effectRef>
+          <a:fontRef idx="minor">
+            <a:schemeClr val="lt1"/>
+          </a:fontRef>
+        </p:style>
+        <p:txBody>
+          <a:bodyPr rtlCol="0" anchor="ctr"/>
+          <a:lstStyle/>
+          <a:p>
+            <a:pPr algn="ctr"/>
+            <a:endParaRPr kumimoji="1" lang="zh-CN" altLang="en-US" dirty="0">
+              <a:solidFill>
+                <a:schemeClr val="tx1"/>
+              </a:solidFill>
+            </a:endParaRPr>
+          </a:p>
+        </p:txBody>
+      </p:sp>
+      <p:sp>
+        <p:nvSpPr>
+          <p:cNvPr id="16" name="环形箭头 15"/>
+          <p:cNvSpPr/>
+          <p:nvPr/>
+        </p:nvSpPr>
+        <p:spPr>
+          <a:xfrm>
+            <a:off x="4670139" y="2700601"/>
+            <a:ext cx="1623814" cy="1718775"/>
+          </a:xfrm>
+          <a:prstGeom prst="circularArrow">
+            <a:avLst/>
+          </a:prstGeom>
+        </p:spPr>
+        <p:style>
+          <a:lnRef idx="1">
+            <a:schemeClr val="accent1"/>
+          </a:lnRef>
+          <a:fillRef idx="3">
+            <a:schemeClr val="accent1"/>
+          </a:fillRef>
+          <a:effectRef idx="2">
+            <a:schemeClr val="accent1"/>
+          </a:effectRef>
+          <a:fontRef idx="minor">
+            <a:schemeClr val="lt1"/>
+          </a:fontRef>
+        </p:style>
+        <p:txBody>
+          <a:bodyPr rtlCol="0" anchor="ctr"/>
+          <a:lstStyle/>
+          <a:p>
+            <a:pPr algn="ctr"/>
+            <a:endParaRPr kumimoji="1" lang="zh-CN" altLang="en-US" dirty="0">
+              <a:solidFill>
+                <a:schemeClr val="tx1"/>
+              </a:solidFill>
+            </a:endParaRPr>
+          </a:p>
+        </p:txBody>
+      </p:sp>
+      <p:sp>
+        <p:nvSpPr>
+          <p:cNvPr id="17" name="环形箭头 16"/>
+          <p:cNvSpPr/>
+          <p:nvPr/>
+        </p:nvSpPr>
+        <p:spPr>
+          <a:xfrm>
+            <a:off x="6318069" y="2700601"/>
+            <a:ext cx="1623814" cy="1718775"/>
+          </a:xfrm>
+          <a:prstGeom prst="circularArrow">
+            <a:avLst/>
+          </a:prstGeom>
+        </p:spPr>
+        <p:style>
+          <a:lnRef idx="1">
+            <a:schemeClr val="accent1"/>
+          </a:lnRef>
+          <a:fillRef idx="3">
+            <a:schemeClr val="accent1"/>
+          </a:fillRef>
+          <a:effectRef idx="2">
+            <a:schemeClr val="accent1"/>
+          </a:effectRef>
+          <a:fontRef idx="minor">
+            <a:schemeClr val="lt1"/>
+          </a:fontRef>
+        </p:style>
+        <p:txBody>
+          <a:bodyPr rtlCol="0" anchor="ctr"/>
+          <a:lstStyle/>
+          <a:p>
+            <a:pPr algn="ctr"/>
+            <a:endParaRPr kumimoji="1" lang="zh-CN" altLang="en-US" dirty="0">
+              <a:solidFill>
+                <a:schemeClr val="tx1"/>
+              </a:solidFill>
+            </a:endParaRPr>
+          </a:p>
+        </p:txBody>
+      </p:sp>
+      <p:sp>
+        <p:nvSpPr>
+          <p:cNvPr id="18" name="文本框 17"/>
+          <p:cNvSpPr txBox="1"/>
+          <p:nvPr/>
+        </p:nvSpPr>
+        <p:spPr>
+          <a:xfrm>
+            <a:off x="538476" y="2081910"/>
+            <a:ext cx="8605524" cy="646331"/>
+          </a:xfrm>
+          <a:prstGeom prst="rect">
+            <a:avLst/>
+          </a:prstGeom>
+          <a:noFill/>
+        </p:spPr>
+        <p:txBody>
+          <a:bodyPr wrap="square" rtlCol="0">
+            <a:spAutoFit/>
+          </a:bodyPr>
+          <a:lstStyle/>
+          <a:p>
+            <a:r>
+              <a:rPr kumimoji="1" lang="en-US" altLang="zh-CN" dirty="0" smtClean="0"/>
+              <a:t>	Preprocessing        Feature		Sentence	        Sentence Selection &amp;</a:t>
+            </a:r>
+          </a:p>
+          <a:p>
+            <a:r>
+              <a:rPr kumimoji="1" lang="en-US" altLang="zh-CN" dirty="0"/>
+              <a:t>	</a:t>
+            </a:r>
+            <a:r>
+              <a:rPr kumimoji="1" lang="en-US" altLang="zh-CN" dirty="0" smtClean="0"/>
+              <a:t>	                Extraction            Scoring            </a:t>
+            </a:r>
+            <a:r>
+              <a:rPr kumimoji="1" lang="en-US" altLang="zh-CN" dirty="0"/>
+              <a:t>Information Ordering </a:t>
+            </a:r>
+          </a:p>
+        </p:txBody>
+      </p:sp>
+    </p:spTree>
+    <p:extLst>
+      <p:ext uri="{BB962C8B-B14F-4D97-AF65-F5344CB8AC3E}">
+        <p14:creationId xmlns:p14="http://schemas.microsoft.com/office/powerpoint/2010/main" val="3491531473"/>
+      </p:ext>
+    </p:extLst>
+  </p:cSld>
+  <p:clrMapOvr>
+    <a:masterClrMapping/>
+  </p:clrMapOvr>
+  <p:timing>
+    <p:tnLst>
+      <p:par>
+        <p:cTn xmlns:p14="http://schemas.microsoft.com/office/powerpoint/2010/main" id="1" dur="indefinite" restart="never" nodeType="tmRoot"/>
+      </p:par>
+    </p:tnLst>
+  </p:timing>
+</p:sld>
+</file>
+
+<file path=ppt/slides/slide4.xml><?xml version="1.0" encoding="utf-8"?>
+<p:sld xmlns:a="http://schemas.openxmlformats.org/drawingml/2006/main" xmlns:r="http://schemas.openxmlformats.org/officeDocument/2006/relationships" xmlns:p="http://schemas.openxmlformats.org/presentationml/2006/main">
+  <p:cSld>
+    <p:spTree>
+      <p:nvGrpSpPr>
+        <p:cNvPr id="1" name=""/>
+        <p:cNvGrpSpPr/>
+        <p:nvPr/>
+      </p:nvGrpSpPr>
+      <p:grpSpPr>
+        <a:xfrm>
+          <a:off x="0" y="0"/>
+          <a:ext cx="0" cy="0"/>
+          <a:chOff x="0" y="0"/>
+          <a:chExt cx="0" cy="0"/>
+        </a:xfrm>
+      </p:grpSpPr>
+      <p:sp>
+        <p:nvSpPr>
+          <p:cNvPr id="2" name="内容占位符 1"/>
+          <p:cNvSpPr>
+            <a:spLocks noGrp="1"/>
+          </p:cNvSpPr>
+          <p:nvPr>
+            <p:ph idx="1"/>
+          </p:nvPr>
+        </p:nvSpPr>
+        <p:spPr/>
+        <p:txBody>
+          <a:bodyPr>
+            <a:normAutofit lnSpcReduction="10000"/>
+          </a:bodyPr>
+          <a:lstStyle/>
+          <a:p>
+            <a:r>
+              <a:rPr kumimoji="1" lang="en-US" altLang="zh-CN" dirty="0" smtClean="0"/>
+              <a:t>Sentence </a:t>
+            </a:r>
+            <a:r>
+              <a:rPr kumimoji="1" lang="en-US" altLang="zh-CN" dirty="0" smtClean="0"/>
+              <a:t>segmentation (\n \t format stripping)</a:t>
+            </a:r>
+            <a:endParaRPr kumimoji="1" lang="en-US" altLang="zh-CN" dirty="0" smtClean="0"/>
+          </a:p>
+          <a:p>
+            <a:endParaRPr kumimoji="1" lang="en-US" altLang="zh-CN" dirty="0" smtClean="0"/>
+          </a:p>
+          <a:p>
+            <a:r>
+              <a:rPr kumimoji="1" lang="en-US" altLang="zh-CN" dirty="0" smtClean="0"/>
+              <a:t>Word tokenization</a:t>
+            </a:r>
+          </a:p>
+          <a:p>
+            <a:endParaRPr kumimoji="1" lang="en-US" altLang="zh-CN" dirty="0" smtClean="0"/>
+          </a:p>
+          <a:p>
+            <a:r>
+              <a:rPr kumimoji="1" lang="en-US" altLang="zh-CN" dirty="0" smtClean="0"/>
+              <a:t>Stop word </a:t>
+            </a:r>
+            <a:r>
+              <a:rPr kumimoji="1" lang="en-US" altLang="zh-CN" dirty="0" smtClean="0"/>
+              <a:t>removal</a:t>
+            </a:r>
+            <a:endParaRPr kumimoji="1" lang="en-US" altLang="zh-CN" dirty="0" smtClean="0"/>
+          </a:p>
+          <a:p>
+            <a:endParaRPr kumimoji="1" lang="en-US" altLang="zh-CN" dirty="0" smtClean="0"/>
+          </a:p>
+          <a:p>
+            <a:r>
+              <a:rPr kumimoji="1" lang="en-US" altLang="zh-CN" dirty="0" smtClean="0"/>
+              <a:t>Ignored </a:t>
+            </a:r>
+            <a:r>
+              <a:rPr kumimoji="1" lang="en-US" altLang="zh-CN" dirty="0" smtClean="0"/>
+              <a:t>word </a:t>
+            </a:r>
+            <a:r>
+              <a:rPr kumimoji="1" lang="en-US" altLang="zh-CN" dirty="0" smtClean="0"/>
+              <a:t>selection ( “The” issue.  ? </a:t>
+            </a:r>
+            <a:r>
+              <a:rPr lang="en-US" altLang="zh-CN" dirty="0" err="1" smtClean="0"/>
+              <a:t>tf</a:t>
+            </a:r>
+            <a:r>
+              <a:rPr lang="en-US" altLang="zh-CN" dirty="0" err="1"/>
+              <a:t>•</a:t>
+            </a:r>
+            <a:r>
+              <a:rPr lang="en-US" altLang="zh-CN" dirty="0" err="1" smtClean="0"/>
+              <a:t>idf</a:t>
+            </a:r>
+            <a:r>
+              <a:rPr lang="en-US" altLang="zh-CN" dirty="0" smtClean="0"/>
+              <a:t> </a:t>
+            </a:r>
+            <a:r>
+              <a:rPr kumimoji="1" lang="en-US" altLang="zh-CN" dirty="0" smtClean="0"/>
+              <a:t>)</a:t>
+            </a:r>
+            <a:endParaRPr kumimoji="1" lang="en-US" altLang="zh-CN" dirty="0" smtClean="0"/>
+          </a:p>
+          <a:p>
+            <a:endParaRPr kumimoji="1" lang="en-US" altLang="zh-CN" dirty="0" smtClean="0"/>
+          </a:p>
+          <a:p>
+            <a:r>
+              <a:rPr kumimoji="1" lang="en-US" altLang="zh-CN" dirty="0" smtClean="0"/>
+              <a:t>Stemming</a:t>
+            </a:r>
+          </a:p>
+          <a:p>
+            <a:endParaRPr kumimoji="1" lang="zh-CN" altLang="en-US" dirty="0"/>
+          </a:p>
+        </p:txBody>
+      </p:sp>
+      <p:sp>
+        <p:nvSpPr>
+          <p:cNvPr id="3" name="标题 2"/>
+          <p:cNvSpPr>
+            <a:spLocks noGrp="1"/>
+          </p:cNvSpPr>
+          <p:nvPr>
+            <p:ph type="title"/>
+          </p:nvPr>
+        </p:nvSpPr>
+        <p:spPr/>
+        <p:txBody>
+          <a:bodyPr/>
+          <a:lstStyle/>
+          <a:p>
+            <a:r>
+              <a:rPr kumimoji="1" lang="en-US" altLang="zh-CN" dirty="0" smtClean="0"/>
+              <a:t>Preprocessing</a:t>
+            </a:r>
+            <a:endParaRPr kumimoji="1" lang="zh-CN" altLang="en-US" dirty="0"/>
+          </a:p>
+        </p:txBody>
+      </p:sp>
+    </p:spTree>
+    <p:extLst>
+      <p:ext uri="{BB962C8B-B14F-4D97-AF65-F5344CB8AC3E}">
+        <p14:creationId xmlns:p14="http://schemas.microsoft.com/office/powerpoint/2010/main" val="1634841051"/>
+      </p:ext>
+    </p:extLst>
+  </p:cSld>
+  <p:clrMapOvr>
+    <a:masterClrMapping/>
+  </p:clrMapOvr>
+  <p:timing>
+    <p:tnLst>
+      <p:par>
+        <p:cTn xmlns:p14="http://schemas.microsoft.com/office/powerpoint/2010/main" id="1" dur="indefinite" restart="never" nodeType="tmRoot"/>
+      </p:par>
+    </p:tnLst>
+  </p:timing>
+</p:sld>
+</file>
+
+<file path=ppt/slides/slide5.xml><?xml version="1.0" encoding="utf-8"?>
+<p:sld xmlns:a="http://schemas.openxmlformats.org/drawingml/2006/main" xmlns:r="http://schemas.openxmlformats.org/officeDocument/2006/relationships" xmlns:p="http://schemas.openxmlformats.org/presentationml/2006/main">
+  <p:cSld>
+    <p:spTree>
+      <p:nvGrpSpPr>
+        <p:cNvPr id="1" name=""/>
+        <p:cNvGrpSpPr/>
+        <p:nvPr/>
+      </p:nvGrpSpPr>
+      <p:grpSpPr>
+        <a:xfrm>
+          <a:off x="0" y="0"/>
+          <a:ext cx="0" cy="0"/>
+          <a:chOff x="0" y="0"/>
+          <a:chExt cx="0" cy="0"/>
+        </a:xfrm>
+      </p:grpSpPr>
+      <p:pic>
+        <p:nvPicPr>
+          <p:cNvPr id="4" name="内容占位符 3" descr="Screen Shot 2018-04-26 at 12.10.37 AM.png"/>
+          <p:cNvPicPr>
+            <a:picLocks noGrp="1" noChangeAspect="1"/>
+          </p:cNvPicPr>
+          <p:nvPr>
+            <p:ph idx="1"/>
+          </p:nvPr>
+        </p:nvPicPr>
+        <p:blipFill>
+          <a:blip r:embed="rId2">
+            <a:extLst>
+              <a:ext uri="{28A0092B-C50C-407E-A947-70E740481C1C}">
+                <a14:useLocalDpi xmlns:a14="http://schemas.microsoft.com/office/drawing/2010/main" val="0"/>
+              </a:ext>
+            </a:extLst>
+          </a:blip>
+          <a:srcRect t="2596" b="2596"/>
+          <a:stretch>
+            <a:fillRect/>
+          </a:stretch>
+        </p:blipFill>
+        <p:spPr>
+          <a:xfrm>
+            <a:off x="698500" y="2247900"/>
+            <a:ext cx="7747000" cy="3878263"/>
+          </a:xfrm>
+        </p:spPr>
+      </p:pic>
+      <p:sp>
+        <p:nvSpPr>
+          <p:cNvPr id="3" name="标题 2"/>
+          <p:cNvSpPr>
+            <a:spLocks noGrp="1"/>
+          </p:cNvSpPr>
+          <p:nvPr>
+            <p:ph type="title"/>
+          </p:nvPr>
+        </p:nvSpPr>
+        <p:spPr/>
+        <p:txBody>
+          <a:bodyPr/>
+          <a:lstStyle/>
+          <a:p>
+            <a:r>
+              <a:rPr kumimoji="1" lang="en-US" altLang="zh-CN" dirty="0"/>
+              <a:t>Preprocessing</a:t>
+            </a:r>
+            <a:endParaRPr kumimoji="1" lang="zh-CN" altLang="en-US" dirty="0"/>
+          </a:p>
+        </p:txBody>
+      </p:sp>
+    </p:spTree>
+    <p:extLst>
+      <p:ext uri="{BB962C8B-B14F-4D97-AF65-F5344CB8AC3E}">
+        <p14:creationId xmlns:p14="http://schemas.microsoft.com/office/powerpoint/2010/main" val="3755239781"/>
+      </p:ext>
+    </p:extLst>
+  </p:cSld>
+  <p:clrMapOvr>
+    <a:masterClrMapping/>
+  </p:clrMapOvr>
+  <p:timing>
+    <p:tnLst>
+      <p:par>
+        <p:cTn xmlns:p14="http://schemas.microsoft.com/office/powerpoint/2010/main" id="1" dur="indefinite" restart="never" nodeType="tmRoot"/>
+      </p:par>
+    </p:tnLst>
+  </p:timing>
+</p:sld>
+</file>
+
+<file path=ppt/slides/slide6.xml><?xml version="1.0" encoding="utf-8"?>
+<p:sld xmlns:a="http://schemas.openxmlformats.org/drawingml/2006/main" xmlns:r="http://schemas.openxmlformats.org/officeDocument/2006/relationships" xmlns:p="http://schemas.openxmlformats.org/presentationml/2006/main">
+  <p:cSld>
+    <p:spTree>
+      <p:nvGrpSpPr>
+        <p:cNvPr id="1" name=""/>
+        <p:cNvGrpSpPr/>
+        <p:nvPr/>
+      </p:nvGrpSpPr>
+      <p:grpSpPr>
+        <a:xfrm>
+          <a:off x="0" y="0"/>
+          <a:ext cx="0" cy="0"/>
+          <a:chOff x="0" y="0"/>
+          <a:chExt cx="0" cy="0"/>
+        </a:xfrm>
+      </p:grpSpPr>
+      <p:sp>
+        <p:nvSpPr>
+          <p:cNvPr id="3" name="标题 2"/>
+          <p:cNvSpPr>
+            <a:spLocks noGrp="1"/>
+          </p:cNvSpPr>
+          <p:nvPr>
+            <p:ph type="title"/>
+          </p:nvPr>
+        </p:nvSpPr>
+        <p:spPr/>
+        <p:txBody>
+          <a:bodyPr/>
+          <a:lstStyle/>
+          <a:p>
+            <a:r>
+              <a:rPr kumimoji="1" lang="en-US" altLang="zh-CN" dirty="0"/>
+              <a:t>Preprocessing</a:t>
+            </a:r>
+            <a:endParaRPr kumimoji="1" lang="zh-CN" altLang="en-US" dirty="0"/>
+          </a:p>
+        </p:txBody>
+      </p:sp>
+      <p:pic>
+        <p:nvPicPr>
+          <p:cNvPr id="6" name="内容占位符 5" descr="Screen Shot 2018-04-26 at 12.16.22 AM.png"/>
+          <p:cNvPicPr>
+            <a:picLocks noGrp="1" noChangeAspect="1"/>
+          </p:cNvPicPr>
+          <p:nvPr>
+            <p:ph idx="1"/>
+          </p:nvPr>
+        </p:nvPicPr>
+        <p:blipFill>
+          <a:blip r:embed="rId2">
+            <a:extLst>
+              <a:ext uri="{28A0092B-C50C-407E-A947-70E740481C1C}">
+                <a14:useLocalDpi xmlns:a14="http://schemas.microsoft.com/office/drawing/2010/main" val="0"/>
+              </a:ext>
+            </a:extLst>
+          </a:blip>
+          <a:srcRect l="-17642" r="-17642"/>
+          <a:stretch>
+            <a:fillRect/>
+          </a:stretch>
+        </p:blipFill>
+        <p:spPr>
+          <a:xfrm>
+            <a:off x="698500" y="2247900"/>
+            <a:ext cx="7747000" cy="3878263"/>
+          </a:xfrm>
+        </p:spPr>
+      </p:pic>
+    </p:spTree>
+    <p:extLst>
+      <p:ext uri="{BB962C8B-B14F-4D97-AF65-F5344CB8AC3E}">
+        <p14:creationId xmlns:p14="http://schemas.microsoft.com/office/powerpoint/2010/main" val="1360868259"/>
+      </p:ext>
+    </p:extLst>
+  </p:cSld>
+  <p:clrMapOvr>
+    <a:masterClrMapping/>
+  </p:clrMapOvr>
+  <p:timing>
+    <p:tnLst>
+      <p:par>
+        <p:cTn xmlns:p14="http://schemas.microsoft.com/office/powerpoint/2010/main" id="1" dur="indefinite" restart="never" nodeType="tmRoot"/>
+      </p:par>
+    </p:tnLst>
+  </p:timing>
+</p:sld>
+</file>
+
+<file path=ppt/slides/slide7.xml><?xml version="1.0" encoding="utf-8"?>
+<p:sld xmlns:a="http://schemas.openxmlformats.org/drawingml/2006/main" xmlns:r="http://schemas.openxmlformats.org/officeDocument/2006/relationships" xmlns:p="http://schemas.openxmlformats.org/presentationml/2006/main">
+  <p:cSld>
+    <p:spTree>
+      <p:nvGrpSpPr>
+        <p:cNvPr id="1" name=""/>
+        <p:cNvGrpSpPr/>
+        <p:nvPr/>
+      </p:nvGrpSpPr>
+      <p:grpSpPr>
+        <a:xfrm>
+          <a:off x="0" y="0"/>
+          <a:ext cx="0" cy="0"/>
+          <a:chOff x="0" y="0"/>
+          <a:chExt cx="0" cy="0"/>
+        </a:xfrm>
+      </p:grpSpPr>
+      <p:sp>
+        <p:nvSpPr>
+          <p:cNvPr id="2" name="内容占位符 1"/>
+          <p:cNvSpPr>
+            <a:spLocks noGrp="1"/>
+          </p:cNvSpPr>
+          <p:nvPr>
+            <p:ph idx="1"/>
+          </p:nvPr>
+        </p:nvSpPr>
+        <p:spPr/>
+        <p:txBody>
+          <a:bodyPr>
+            <a:normAutofit fontScale="85000" lnSpcReduction="20000"/>
+          </a:bodyPr>
+          <a:lstStyle/>
+          <a:p>
+            <a:r>
+              <a:rPr kumimoji="1" lang="en-US" altLang="zh-CN" dirty="0" smtClean="0"/>
+              <a:t>Frequency</a:t>
+            </a:r>
+          </a:p>
+          <a:p>
+            <a:pPr lvl="1"/>
+            <a:r>
+              <a:rPr kumimoji="1" lang="en-US" altLang="zh-CN" dirty="0" smtClean="0"/>
+              <a:t> long sentence vs. short sentences</a:t>
+            </a:r>
+          </a:p>
+          <a:p>
+            <a:pPr lvl="1"/>
+            <a:r>
+              <a:rPr kumimoji="1" lang="en-US" altLang="zh-CN" dirty="0" smtClean="0"/>
+              <a:t>THE sentences</a:t>
+            </a:r>
+          </a:p>
+          <a:p>
+            <a:pPr marL="0" indent="0">
+              <a:buNone/>
+            </a:pPr>
+            <a:endParaRPr kumimoji="1" lang="en-US" altLang="zh-CN" dirty="0"/>
+          </a:p>
+          <a:p>
+            <a:r>
+              <a:rPr kumimoji="1" lang="en-US" altLang="zh-CN" dirty="0" smtClean="0"/>
+              <a:t>Sentence </a:t>
+            </a:r>
+            <a:r>
+              <a:rPr kumimoji="1" lang="en-US" altLang="zh-CN" dirty="0" smtClean="0"/>
+              <a:t>position</a:t>
+            </a:r>
+          </a:p>
+          <a:p>
+            <a:pPr marL="731520" lvl="2"/>
+            <a:r>
+              <a:rPr kumimoji="1" lang="en-US" altLang="zh-CN" dirty="0"/>
+              <a:t>Weight of the </a:t>
+            </a:r>
+            <a:r>
+              <a:rPr kumimoji="1" lang="en-US" altLang="zh-CN" dirty="0" smtClean="0"/>
+              <a:t>doc</a:t>
+            </a:r>
+          </a:p>
+          <a:p>
+            <a:pPr marL="731520" lvl="2"/>
+            <a:r>
+              <a:rPr kumimoji="1" lang="en-US" altLang="zh-CN" dirty="0" smtClean="0"/>
+              <a:t>Paragraph </a:t>
+            </a:r>
+          </a:p>
+          <a:p>
+            <a:pPr marL="731520" lvl="2"/>
+            <a:r>
+              <a:rPr kumimoji="1" lang="en-US" altLang="zh-CN" dirty="0" smtClean="0"/>
+              <a:t>Line </a:t>
+            </a:r>
+            <a:endParaRPr kumimoji="1" lang="zh-CN" altLang="en-US" dirty="0"/>
+          </a:p>
+          <a:p>
+            <a:pPr marL="0" indent="0">
+              <a:buNone/>
+            </a:pPr>
+            <a:endParaRPr kumimoji="1" lang="en-US" altLang="zh-CN" dirty="0"/>
+          </a:p>
+          <a:p>
+            <a:r>
+              <a:rPr kumimoji="1" lang="en-US" altLang="zh-CN" dirty="0" smtClean="0"/>
+              <a:t>Cue words</a:t>
+            </a:r>
+          </a:p>
+          <a:p>
+            <a:endParaRPr kumimoji="1" lang="en-US" altLang="zh-CN" dirty="0"/>
+          </a:p>
+          <a:p>
+            <a:r>
+              <a:rPr kumimoji="1" lang="en-US" altLang="zh-CN" dirty="0" smtClean="0"/>
+              <a:t>Similarity with the </a:t>
+            </a:r>
+            <a:r>
+              <a:rPr kumimoji="1" lang="en-US" altLang="zh-CN" dirty="0" smtClean="0"/>
+              <a:t>title</a:t>
+            </a:r>
+          </a:p>
+          <a:p>
+            <a:pPr lvl="1"/>
+            <a:r>
+              <a:rPr kumimoji="1" lang="en-US" altLang="zh-CN" dirty="0" smtClean="0"/>
+              <a:t>Weight of the sentence</a:t>
+            </a:r>
+            <a:endParaRPr kumimoji="1" lang="en-US" altLang="zh-CN" dirty="0" smtClean="0"/>
+          </a:p>
+        </p:txBody>
+      </p:sp>
+      <p:sp>
+        <p:nvSpPr>
+          <p:cNvPr id="3" name="标题 2"/>
+          <p:cNvSpPr>
+            <a:spLocks noGrp="1"/>
+          </p:cNvSpPr>
+          <p:nvPr>
+            <p:ph type="title"/>
+          </p:nvPr>
+        </p:nvSpPr>
+        <p:spPr/>
+        <p:txBody>
+          <a:bodyPr/>
+          <a:lstStyle/>
+          <a:p>
+            <a:r>
+              <a:rPr kumimoji="1" lang="en-US" altLang="zh-CN" dirty="0" smtClean="0"/>
+              <a:t>Features</a:t>
+            </a:r>
+            <a:endParaRPr kumimoji="1" lang="zh-CN" altLang="en-US" dirty="0"/>
+          </a:p>
+        </p:txBody>
+      </p:sp>
+    </p:spTree>
+    <p:extLst>
+      <p:ext uri="{BB962C8B-B14F-4D97-AF65-F5344CB8AC3E}">
+        <p14:creationId xmlns:p14="http://schemas.microsoft.com/office/powerpoint/2010/main" val="2045028837"/>
+      </p:ext>
+    </p:extLst>
+  </p:cSld>
+  <p:clrMapOvr>
+    <a:masterClrMapping/>
+  </p:clrMapOvr>
+  <p:timing>
+    <p:tnLst>
+      <p:par>
+        <p:cTn xmlns:p14="http://schemas.microsoft.com/office/powerpoint/2010/main" id="1" dur="indefinite" restart="never" nodeType="tmRoot"/>
+      </p:par>
+    </p:tnLst>
+  </p:timing>
+</p:sld>
+</file>
+
+<file path=ppt/slides/slide8.xml><?xml version="1.0" encoding="utf-8"?>
+<p:sld xmlns:a="http://schemas.openxmlformats.org/drawingml/2006/main" xmlns:r="http://schemas.openxmlformats.org/officeDocument/2006/relationships" xmlns:p="http://schemas.openxmlformats.org/presentationml/2006/main">
+  <p:cSld>
+    <p:spTree>
+      <p:nvGrpSpPr>
+        <p:cNvPr id="1" name=""/>
+        <p:cNvGrpSpPr/>
+        <p:nvPr/>
+      </p:nvGrpSpPr>
+      <p:grpSpPr>
+        <a:xfrm>
+          <a:off x="0" y="0"/>
+          <a:ext cx="0" cy="0"/>
+          <a:chOff x="0" y="0"/>
+          <a:chExt cx="0" cy="0"/>
+        </a:xfrm>
+      </p:grpSpPr>
+      <p:sp>
+        <p:nvSpPr>
+          <p:cNvPr id="3" name="标题 2"/>
+          <p:cNvSpPr>
+            <a:spLocks noGrp="1"/>
+          </p:cNvSpPr>
+          <p:nvPr>
+            <p:ph type="title"/>
+          </p:nvPr>
+        </p:nvSpPr>
+        <p:spPr/>
+        <p:txBody>
+          <a:bodyPr/>
+          <a:lstStyle/>
+          <a:p>
+            <a:r>
+              <a:rPr kumimoji="1" lang="en-US" altLang="zh-CN" dirty="0" smtClean="0"/>
+              <a:t>Features</a:t>
+            </a:r>
+            <a:endParaRPr kumimoji="1" lang="zh-CN" altLang="en-US" dirty="0"/>
+          </a:p>
+        </p:txBody>
+      </p:sp>
+      <p:pic>
+        <p:nvPicPr>
+          <p:cNvPr id="5" name="内容占位符 4" descr="Screen Shot 2018-04-26 at 12.25.11 AM.png"/>
+          <p:cNvPicPr>
+            <a:picLocks noGrp="1" noChangeAspect="1"/>
+          </p:cNvPicPr>
+          <p:nvPr>
+            <p:ph idx="1"/>
+          </p:nvPr>
+        </p:nvPicPr>
+        <p:blipFill>
+          <a:blip r:embed="rId2">
+            <a:extLst>
+              <a:ext uri="{28A0092B-C50C-407E-A947-70E740481C1C}">
+                <a14:useLocalDpi xmlns:a14="http://schemas.microsoft.com/office/drawing/2010/main" val="0"/>
+              </a:ext>
+            </a:extLst>
+          </a:blip>
+          <a:srcRect t="-104170" b="-104170"/>
+          <a:stretch>
+            <a:fillRect/>
+          </a:stretch>
+        </p:blipFill>
+        <p:spPr>
+          <a:xfrm>
+            <a:off x="0" y="2247900"/>
+            <a:ext cx="9144000" cy="3878263"/>
+          </a:xfrm>
+        </p:spPr>
+      </p:pic>
+    </p:spTree>
+    <p:extLst>
+      <p:ext uri="{BB962C8B-B14F-4D97-AF65-F5344CB8AC3E}">
+        <p14:creationId xmlns:p14="http://schemas.microsoft.com/office/powerpoint/2010/main" val="113405179"/>
+      </p:ext>
+    </p:extLst>
+  </p:cSld>
+  <p:clrMapOvr>
+    <a:masterClrMapping/>
+  </p:clrMapOvr>
+  <p:timing>
+    <p:tnLst>
+      <p:par>
+        <p:cTn xmlns:p14="http://schemas.microsoft.com/office/powerpoint/2010/main" id="1" dur="indefinite" restart="never" nodeType="tmRoot"/>
+      </p:par>
+    </p:tnLst>
+  </p:timing>
+</p:sld>
+</file>
+
+<file path=ppt/slides/slide9.xml><?xml version="1.0" encoding="utf-8"?>
+<p:sld xmlns:a="http://schemas.openxmlformats.org/drawingml/2006/main" xmlns:r="http://schemas.openxmlformats.org/officeDocument/2006/relationships" xmlns:p="http://schemas.openxmlformats.org/presentationml/2006/main">
+  <p:cSld>
+    <p:spTree>
+      <p:nvGrpSpPr>
+        <p:cNvPr id="1" name=""/>
+        <p:cNvGrpSpPr/>
+        <p:nvPr/>
+      </p:nvGrpSpPr>
+      <p:grpSpPr>
+        <a:xfrm>
+          <a:off x="0" y="0"/>
+          <a:ext cx="0" cy="0"/>
+          <a:chOff x="0" y="0"/>
+          <a:chExt cx="0" cy="0"/>
+        </a:xfrm>
+      </p:grpSpPr>
+      <p:sp>
+        <p:nvSpPr>
+          <p:cNvPr id="2" name="内容占位符 1"/>
+          <p:cNvSpPr>
+            <a:spLocks noGrp="1"/>
+          </p:cNvSpPr>
+          <p:nvPr>
+            <p:ph idx="1"/>
+          </p:nvPr>
+        </p:nvSpPr>
+        <p:spPr/>
+        <p:txBody>
+          <a:bodyPr>
+            <a:normAutofit fontScale="92500" lnSpcReduction="10000"/>
+          </a:bodyPr>
+          <a:lstStyle/>
+          <a:p>
+            <a:r>
+              <a:rPr kumimoji="1" lang="en-US" altLang="zh-CN" dirty="0" smtClean="0"/>
+              <a:t>Give four score for the previous four features.</a:t>
+            </a:r>
+          </a:p>
+          <a:p>
+            <a:pPr lvl="1"/>
+            <a:r>
+              <a:rPr kumimoji="1" lang="en-US" altLang="zh-CN" dirty="0" err="1" smtClean="0"/>
+              <a:t>FrequencyScore</a:t>
+            </a:r>
+            <a:r>
+              <a:rPr kumimoji="1" lang="en-US" altLang="zh-CN" dirty="0" smtClean="0"/>
+              <a:t>(FS)</a:t>
+            </a:r>
+          </a:p>
+          <a:p>
+            <a:pPr lvl="1"/>
+            <a:r>
+              <a:rPr kumimoji="1" lang="en-US" altLang="zh-CN" dirty="0" err="1" smtClean="0"/>
+              <a:t>PositionScore</a:t>
+            </a:r>
+            <a:r>
+              <a:rPr kumimoji="1" lang="en-US" altLang="zh-CN" dirty="0" smtClean="0"/>
+              <a:t>(PS)</a:t>
+            </a:r>
+          </a:p>
+          <a:p>
+            <a:pPr lvl="1"/>
+            <a:r>
+              <a:rPr kumimoji="1" lang="en-US" altLang="zh-CN" dirty="0" err="1" smtClean="0"/>
+              <a:t>CueWordScore</a:t>
+            </a:r>
+            <a:r>
+              <a:rPr kumimoji="1" lang="en-US" altLang="zh-CN" dirty="0" smtClean="0"/>
+              <a:t>(CWS)</a:t>
+            </a:r>
+          </a:p>
+          <a:p>
+            <a:pPr lvl="1"/>
+            <a:r>
+              <a:rPr kumimoji="1" lang="en-US" altLang="zh-CN" dirty="0" err="1" smtClean="0"/>
+              <a:t>SimilarityScore</a:t>
+            </a:r>
+            <a:r>
+              <a:rPr kumimoji="1" lang="en-US" altLang="zh-CN" dirty="0" smtClean="0"/>
+              <a:t>(SS)</a:t>
+            </a:r>
+            <a:endParaRPr kumimoji="1" lang="en-US" altLang="zh-CN" dirty="0"/>
+          </a:p>
+          <a:p>
+            <a:endParaRPr kumimoji="1" lang="en-US" altLang="zh-CN" dirty="0" smtClean="0"/>
+          </a:p>
+          <a:p>
+            <a:r>
+              <a:rPr kumimoji="1" lang="en-US" altLang="zh-CN" dirty="0" smtClean="0"/>
+              <a:t>Final score = a*FS + b*PS + c*CWS + d*SS</a:t>
+            </a:r>
+          </a:p>
+          <a:p>
+            <a:r>
+              <a:rPr kumimoji="1" lang="en-US" altLang="zh-CN" dirty="0" smtClean="0"/>
+              <a:t>Real implementation :</a:t>
+            </a:r>
+          </a:p>
+          <a:p>
+            <a:pPr lvl="1"/>
+            <a:r>
+              <a:rPr lang="en-US" altLang="zh-CN" dirty="0" err="1" smtClean="0"/>
+              <a:t>SentenceScore</a:t>
+            </a:r>
+            <a:r>
+              <a:rPr lang="en-US" altLang="zh-CN" dirty="0" smtClean="0"/>
+              <a:t> </a:t>
+            </a:r>
+            <a:r>
+              <a:rPr lang="en-US" altLang="zh-CN" dirty="0"/>
+              <a:t>= (</a:t>
+            </a:r>
+            <a:r>
+              <a:rPr lang="en-US" altLang="zh-CN" dirty="0" err="1"/>
+              <a:t>FrequencyScore</a:t>
+            </a:r>
+            <a:r>
+              <a:rPr lang="en-US" altLang="zh-CN" dirty="0"/>
+              <a:t> + </a:t>
+            </a:r>
+            <a:r>
+              <a:rPr lang="en-US" altLang="zh-CN" dirty="0" err="1"/>
+              <a:t>SimilarityScore</a:t>
+            </a:r>
+            <a:r>
+              <a:rPr lang="en-US" altLang="zh-CN" dirty="0"/>
+              <a:t>) * </a:t>
+            </a:r>
+            <a:r>
+              <a:rPr lang="en-US" altLang="zh-CN" dirty="0" err="1"/>
+              <a:t>PositionScore</a:t>
+            </a:r>
+            <a:r>
+              <a:rPr lang="en-US" altLang="zh-CN" dirty="0"/>
+              <a:t> * </a:t>
+            </a:r>
+            <a:r>
+              <a:rPr lang="en-US" altLang="zh-CN" dirty="0" smtClean="0"/>
+              <a:t>(</a:t>
+            </a:r>
+            <a:r>
+              <a:rPr lang="en-US" altLang="zh-CN" dirty="0"/>
+              <a:t>1 + (</a:t>
+            </a:r>
+            <a:r>
+              <a:rPr lang="en-US" altLang="zh-CN" dirty="0" err="1"/>
+              <a:t>CueWordScore</a:t>
+            </a:r>
+            <a:r>
+              <a:rPr lang="en-US" altLang="zh-CN" dirty="0"/>
+              <a:t> * 0.1</a:t>
+            </a:r>
+            <a:r>
+              <a:rPr lang="en-US" altLang="zh-CN" dirty="0" smtClean="0"/>
+              <a:t>))</a:t>
+            </a:r>
+          </a:p>
+          <a:p>
+            <a:pPr lvl="1"/>
+            <a:r>
+              <a:rPr kumimoji="1" lang="en-US" altLang="zh-CN" dirty="0" smtClean="0"/>
+              <a:t>Still need tuning</a:t>
+            </a:r>
+          </a:p>
+          <a:p>
+            <a:endParaRPr kumimoji="1" lang="en-US" altLang="zh-CN" dirty="0" smtClean="0"/>
+          </a:p>
+          <a:p>
+            <a:endParaRPr kumimoji="1" lang="zh-CN" altLang="en-US" dirty="0"/>
+          </a:p>
+        </p:txBody>
+      </p:sp>
+      <p:sp>
+        <p:nvSpPr>
+          <p:cNvPr id="3" name="标题 2"/>
+          <p:cNvSpPr>
+            <a:spLocks noGrp="1"/>
+          </p:cNvSpPr>
+          <p:nvPr>
+            <p:ph type="title"/>
+          </p:nvPr>
+        </p:nvSpPr>
+        <p:spPr/>
+        <p:txBody>
+          <a:bodyPr/>
+          <a:lstStyle/>
+          <a:p>
+            <a:r>
+              <a:rPr kumimoji="1" lang="en-US" altLang="zh-CN" dirty="0" smtClean="0"/>
+              <a:t>Sentence Score</a:t>
+            </a:r>
+            <a:endParaRPr kumimoji="1" lang="zh-CN" altLang="en-US" dirty="0"/>
+          </a:p>
+        </p:txBody>
+      </p:sp>
+    </p:spTree>
+    <p:extLst>
+      <p:ext uri="{BB962C8B-B14F-4D97-AF65-F5344CB8AC3E}">
+        <p14:creationId xmlns:p14="http://schemas.microsoft.com/office/powerpoint/2010/main" val="114726732"/>
       </p:ext>
     </p:extLst>
   </p:cSld>
